--- a/玩转git与github.pptx
+++ b/玩转git与github.pptx
@@ -23,7 +23,6 @@
     <p:sldId id="335" r:id="rId16"/>
     <p:sldId id="336" r:id="rId17"/>
     <p:sldId id="337" r:id="rId18"/>
-    <p:sldId id="338" r:id="rId19"/>
   </p:sldIdLst>
   <p:sldSz cx="12192000" cy="6858000"/>
   <p:notesSz cx="6858000" cy="9144000"/>
@@ -128,21 +127,20 @@
         <p14:section name="默认节" id="{d389e226-72ba-4f8f-a88d-46758833e9d6}">
           <p14:sldIdLst>
             <p14:sldId id="256"/>
-            <p14:sldId id="326"/>
             <p14:sldId id="324"/>
             <p14:sldId id="328"/>
-            <p14:sldId id="329"/>
-            <p14:sldId id="330"/>
-            <p14:sldId id="331"/>
-            <p14:sldId id="332"/>
             <p14:sldId id="333"/>
             <p14:sldId id="334"/>
             <p14:sldId id="335"/>
             <p14:sldId id="336"/>
+            <p14:sldId id="330"/>
+            <p14:sldId id="326"/>
+            <p14:sldId id="325"/>
+            <p14:sldId id="329"/>
+            <p14:sldId id="327"/>
+            <p14:sldId id="331"/>
+            <p14:sldId id="332"/>
             <p14:sldId id="337"/>
-            <p14:sldId id="338"/>
-            <p14:sldId id="327"/>
-            <p14:sldId id="325"/>
           </p14:sldIdLst>
         </p14:section>
       </p14:sectionLst>
@@ -4221,11 +4219,13 @@
         <p:spPr>
           <a:xfrm>
             <a:off x="1856105" y="920750"/>
-            <a:ext cx="8229600" cy="4525963"/>
+            <a:ext cx="8229600" cy="5215890"/>
           </a:xfrm>
         </p:spPr>
         <p:txBody>
-          <a:bodyPr/>
+          <a:bodyPr>
+            <a:normAutofit lnSpcReduction="20000"/>
+          </a:bodyPr>
           <a:lstStyle/>
           <a:p>
             <a:pPr marL="342900" lvl="1" indent="-342900" eaLnBrk="1" hangingPunct="1">
@@ -4389,6 +4389,54 @@
               </a:rPr>
               <a:t>添加仓库名</a:t>
             </a:r>
+            <a:r>
+              <a:rPr lang="en-US" altLang="zh-CN" dirty="0" smtClean="0">
+                <a:solidFill>
+                  <a:srgbClr val="404040"/>
+                </a:solidFill>
+                <a:latin typeface="微软雅黑" panose="020B0503020204020204" charset="-122"/>
+                <a:ea typeface="微软雅黑" panose="020B0503020204020204" charset="-122"/>
+                <a:cs typeface="微软雅黑" panose="020B0503020204020204" charset="-122"/>
+              </a:rPr>
+              <a:t>	</a:t>
+            </a:r>
+            <a:endParaRPr lang="en-US" altLang="zh-CN" dirty="0" smtClean="0">
+              <a:solidFill>
+                <a:srgbClr val="404040"/>
+              </a:solidFill>
+              <a:latin typeface="微软雅黑" panose="020B0503020204020204" charset="-122"/>
+              <a:ea typeface="微软雅黑" panose="020B0503020204020204" charset="-122"/>
+              <a:cs typeface="微软雅黑" panose="020B0503020204020204" charset="-122"/>
+            </a:endParaRPr>
+          </a:p>
+          <a:p>
+            <a:pPr marL="0" lvl="3" indent="0" eaLnBrk="1" hangingPunct="1">
+              <a:buClrTx/>
+              <a:buNone/>
+            </a:pPr>
+            <a:r>
+              <a:rPr lang="en-US" altLang="zh-CN" dirty="0" smtClean="0">
+                <a:solidFill>
+                  <a:srgbClr val="404040"/>
+                </a:solidFill>
+                <a:latin typeface="微软雅黑" panose="020B0503020204020204" charset="-122"/>
+                <a:ea typeface="微软雅黑" panose="020B0503020204020204" charset="-122"/>
+                <a:cs typeface="微软雅黑" panose="020B0503020204020204" charset="-122"/>
+              </a:rPr>
+              <a:t>	 git remote add origin (github-url) </a:t>
+            </a:r>
+            <a:r>
+              <a:rPr lang="zh-CN" altLang="en-US" dirty="0" smtClean="0">
+                <a:solidFill>
+                  <a:srgbClr val="404040"/>
+                </a:solidFill>
+                <a:latin typeface="微软雅黑" panose="020B0503020204020204" charset="-122"/>
+                <a:ea typeface="微软雅黑" panose="020B0503020204020204" charset="-122"/>
+                <a:cs typeface="微软雅黑" panose="020B0503020204020204" charset="-122"/>
+                <a:sym typeface="+mn-ea"/>
+              </a:rPr>
+              <a:t>添加仓库名</a:t>
+            </a:r>
             <a:endParaRPr lang="zh-CN" altLang="en-US" dirty="0" smtClean="0">
               <a:solidFill>
                 <a:srgbClr val="404040"/>
@@ -4399,6 +4447,19 @@
             </a:endParaRPr>
           </a:p>
           <a:p>
+            <a:pPr marL="857250" lvl="3" indent="0" eaLnBrk="1" hangingPunct="1">
+              <a:buClrTx/>
+            </a:pPr>
+            <a:endParaRPr lang="en-US" altLang="zh-CN" dirty="0" smtClean="0">
+              <a:solidFill>
+                <a:srgbClr val="404040"/>
+              </a:solidFill>
+              <a:latin typeface="微软雅黑" panose="020B0503020204020204" charset="-122"/>
+              <a:ea typeface="微软雅黑" panose="020B0503020204020204" charset="-122"/>
+              <a:cs typeface="微软雅黑" panose="020B0503020204020204" charset="-122"/>
+            </a:endParaRPr>
+          </a:p>
+          <a:p>
             <a:pPr marL="742950" lvl="2" indent="-342900" eaLnBrk="1" hangingPunct="1"/>
             <a:r>
               <a:rPr lang="en-US" altLang="zh-CN" dirty="0" err="1" smtClean="0">
@@ -4456,6 +4517,126 @@
               <a:t>分支上</a:t>
             </a:r>
             <a:endParaRPr lang="zh-CN" altLang="en-US" dirty="0" smtClean="0">
+              <a:solidFill>
+                <a:srgbClr val="404040"/>
+              </a:solidFill>
+              <a:latin typeface="微软雅黑" panose="020B0503020204020204" charset="-122"/>
+              <a:ea typeface="微软雅黑" panose="020B0503020204020204" charset="-122"/>
+              <a:cs typeface="微软雅黑" panose="020B0503020204020204" charset="-122"/>
+            </a:endParaRPr>
+          </a:p>
+          <a:p>
+            <a:pPr marL="1314450" lvl="4" indent="0" eaLnBrk="1" hangingPunct="1">
+              <a:buNone/>
+            </a:pPr>
+            <a:r>
+              <a:rPr lang="zh-CN" altLang="en-US" sz="1600" dirty="0" smtClean="0">
+                <a:solidFill>
+                  <a:srgbClr val="404040"/>
+                </a:solidFill>
+                <a:latin typeface="微软雅黑" panose="020B0503020204020204" charset="-122"/>
+                <a:ea typeface="微软雅黑" panose="020B0503020204020204" charset="-122"/>
+                <a:cs typeface="微软雅黑" panose="020B0503020204020204" charset="-122"/>
+              </a:rPr>
+              <a:t>以上失败的话，可能是没有</a:t>
+            </a:r>
+            <a:r>
+              <a:rPr lang="en-US" altLang="zh-CN" sz="1600" dirty="0" smtClean="0">
+                <a:solidFill>
+                  <a:srgbClr val="404040"/>
+                </a:solidFill>
+                <a:latin typeface="微软雅黑" panose="020B0503020204020204" charset="-122"/>
+                <a:ea typeface="微软雅黑" panose="020B0503020204020204" charset="-122"/>
+                <a:cs typeface="微软雅黑" panose="020B0503020204020204" charset="-122"/>
+              </a:rPr>
+              <a:t>READ.MD</a:t>
+            </a:r>
+            <a:r>
+              <a:rPr lang="zh-CN" altLang="en-US" sz="1600" dirty="0" smtClean="0">
+                <a:solidFill>
+                  <a:srgbClr val="404040"/>
+                </a:solidFill>
+                <a:latin typeface="微软雅黑" panose="020B0503020204020204" charset="-122"/>
+                <a:ea typeface="微软雅黑" panose="020B0503020204020204" charset="-122"/>
+                <a:cs typeface="微软雅黑" panose="020B0503020204020204" charset="-122"/>
+              </a:rPr>
+              <a:t>需要使用</a:t>
+            </a:r>
+            <a:endParaRPr lang="zh-CN" altLang="en-US" sz="1600" dirty="0" smtClean="0">
+              <a:solidFill>
+                <a:srgbClr val="404040"/>
+              </a:solidFill>
+              <a:latin typeface="微软雅黑" panose="020B0503020204020204" charset="-122"/>
+              <a:ea typeface="微软雅黑" panose="020B0503020204020204" charset="-122"/>
+              <a:cs typeface="微软雅黑" panose="020B0503020204020204" charset="-122"/>
+            </a:endParaRPr>
+          </a:p>
+          <a:p>
+            <a:pPr marL="1314450" lvl="4" indent="0" eaLnBrk="1" hangingPunct="1">
+              <a:buNone/>
+            </a:pPr>
+            <a:r>
+              <a:rPr lang="zh-CN" altLang="en-US" sz="1600" dirty="0" smtClean="0">
+                <a:solidFill>
+                  <a:srgbClr val="404040"/>
+                </a:solidFill>
+                <a:latin typeface="微软雅黑" panose="020B0503020204020204" charset="-122"/>
+                <a:ea typeface="微软雅黑" panose="020B0503020204020204" charset="-122"/>
+                <a:cs typeface="微软雅黑" panose="020B0503020204020204" charset="-122"/>
+              </a:rPr>
+              <a:t>git pull --rebase origin master</a:t>
+            </a:r>
+            <a:endParaRPr lang="zh-CN" altLang="en-US" sz="1600" dirty="0" smtClean="0">
+              <a:solidFill>
+                <a:srgbClr val="404040"/>
+              </a:solidFill>
+              <a:latin typeface="微软雅黑" panose="020B0503020204020204" charset="-122"/>
+              <a:ea typeface="微软雅黑" panose="020B0503020204020204" charset="-122"/>
+              <a:cs typeface="微软雅黑" panose="020B0503020204020204" charset="-122"/>
+            </a:endParaRPr>
+          </a:p>
+          <a:p>
+            <a:pPr marL="1314450" lvl="4" indent="0" eaLnBrk="1" hangingPunct="1">
+              <a:buNone/>
+            </a:pPr>
+            <a:r>
+              <a:rPr lang="zh-CN" altLang="en-US" sz="1600" dirty="0" smtClean="0">
+                <a:solidFill>
+                  <a:srgbClr val="404040"/>
+                </a:solidFill>
+                <a:latin typeface="微软雅黑" panose="020B0503020204020204" charset="-122"/>
+                <a:ea typeface="微软雅黑" panose="020B0503020204020204" charset="-122"/>
+                <a:cs typeface="微软雅黑" panose="020B0503020204020204" charset="-122"/>
+              </a:rPr>
+              <a:t>再执行语句 git push -u origin master</a:t>
+            </a:r>
+            <a:endParaRPr lang="zh-CN" altLang="en-US" sz="1600" dirty="0" smtClean="0">
+              <a:solidFill>
+                <a:srgbClr val="404040"/>
+              </a:solidFill>
+              <a:latin typeface="微软雅黑" panose="020B0503020204020204" charset="-122"/>
+              <a:ea typeface="微软雅黑" panose="020B0503020204020204" charset="-122"/>
+              <a:cs typeface="微软雅黑" panose="020B0503020204020204" charset="-122"/>
+            </a:endParaRPr>
+          </a:p>
+          <a:p>
+            <a:pPr marL="1314450" lvl="4" indent="0" eaLnBrk="1" hangingPunct="1">
+              <a:buNone/>
+            </a:pPr>
+            <a:endParaRPr lang="zh-CN" altLang="en-US" sz="1600" dirty="0" smtClean="0">
+              <a:solidFill>
+                <a:srgbClr val="404040"/>
+              </a:solidFill>
+              <a:latin typeface="微软雅黑" panose="020B0503020204020204" charset="-122"/>
+              <a:ea typeface="微软雅黑" panose="020B0503020204020204" charset="-122"/>
+              <a:cs typeface="微软雅黑" panose="020B0503020204020204" charset="-122"/>
+            </a:endParaRPr>
+          </a:p>
+          <a:p>
+            <a:pPr marL="1314450" lvl="4" indent="0" eaLnBrk="1" hangingPunct="1">
+              <a:buNone/>
+            </a:pPr>
+            <a:endParaRPr lang="zh-CN" altLang="en-US" sz="1600" dirty="0" smtClean="0">
               <a:solidFill>
                 <a:srgbClr val="404040"/>
               </a:solidFill>
@@ -4706,6 +4887,66 @@
               <a:latin typeface="微软雅黑" panose="020B0503020204020204" charset="-122"/>
               <a:ea typeface="微软雅黑" panose="020B0503020204020204" charset="-122"/>
               <a:cs typeface="微软雅黑" panose="020B0503020204020204" charset="-122"/>
+            </a:endParaRPr>
+          </a:p>
+        </p:txBody>
+      </p:sp>
+      <p:sp>
+        <p:nvSpPr>
+          <p:cNvPr id="5" name="文本框 4"/>
+          <p:cNvSpPr txBox="1"/>
+          <p:nvPr/>
+        </p:nvSpPr>
+        <p:spPr>
+          <a:xfrm>
+            <a:off x="2251710" y="1905"/>
+            <a:ext cx="8310880" cy="548640"/>
+          </a:xfrm>
+          <a:prstGeom prst="rect">
+            <a:avLst/>
+          </a:prstGeom>
+          <a:solidFill>
+            <a:srgbClr val="0090E2"/>
+          </a:solidFill>
+        </p:spPr>
+        <p:txBody>
+          <a:bodyPr wrap="square" rtlCol="0">
+            <a:spAutoFit/>
+          </a:bodyPr>
+          <a:p>
+            <a:pPr algn="ctr"/>
+            <a:r>
+              <a:rPr lang="en-US" altLang="zh-CN" sz="2800" b="1" dirty="0" err="1" smtClean="0">
+                <a:solidFill>
+                  <a:schemeClr val="bg1"/>
+                </a:solidFill>
+                <a:latin typeface="微软雅黑" panose="020B0503020204020204" charset="-122"/>
+                <a:ea typeface="微软雅黑" panose="020B0503020204020204" charset="-122"/>
+                <a:cs typeface="微软雅黑" panose="020B0503020204020204" charset="-122"/>
+                <a:sym typeface="+mn-ea"/>
+              </a:rPr>
+              <a:t> </a:t>
+            </a:r>
+            <a:r>
+              <a:rPr lang="zh-CN" altLang="en-US" sz="2800" dirty="0" smtClean="0">
+                <a:solidFill>
+                  <a:schemeClr val="bg1"/>
+                </a:solidFill>
+                <a:latin typeface="微软雅黑" panose="020B0503020204020204" charset="-122"/>
+                <a:ea typeface="微软雅黑" panose="020B0503020204020204" charset="-122"/>
+                <a:cs typeface="微软雅黑" panose="020B0503020204020204" charset="-122"/>
+                <a:sym typeface="+mn-ea"/>
+              </a:rPr>
+              <a:t>同步到远程仓库</a:t>
+            </a:r>
+            <a:endParaRPr lang="zh-CN" altLang="en-US" sz="2800" b="1" dirty="0" smtClean="0">
+              <a:solidFill>
+                <a:schemeClr val="bg1"/>
+              </a:solidFill>
+              <a:latin typeface="微软雅黑" panose="020B0503020204020204" charset="-122"/>
+              <a:ea typeface="微软雅黑" panose="020B0503020204020204" charset="-122"/>
+              <a:cs typeface="微软雅黑" panose="020B0503020204020204" charset="-122"/>
+              <a:sym typeface="+mn-ea"/>
             </a:endParaRPr>
           </a:p>
         </p:txBody>
@@ -4908,82 +5149,6 @@
       </p:grpSpPr>
       <p:sp>
         <p:nvSpPr>
-          <p:cNvPr id="14337" name="标题 1"/>
-          <p:cNvSpPr>
-            <a:spLocks noGrp="1"/>
-          </p:cNvSpPr>
-          <p:nvPr>
-            <p:ph type="title"/>
-          </p:nvPr>
-        </p:nvSpPr>
-        <p:spPr>
-          <a:xfrm>
-            <a:off x="1981200" y="485775"/>
-            <a:ext cx="8229600" cy="1143000"/>
-          </a:xfrm>
-        </p:spPr>
-        <p:txBody>
-          <a:bodyPr/>
-          <a:lstStyle/>
-          <a:p>
-            <a:pPr algn="l" eaLnBrk="1" hangingPunct="1"/>
-            <a:r>
-              <a:rPr lang="zh-CN" altLang="en-US" sz="4000" b="1" dirty="0" smtClean="0">
-                <a:solidFill>
-                  <a:srgbClr val="F50A64"/>
-                </a:solidFill>
-                <a:latin typeface="微软雅黑" panose="020B0503020204020204" charset="-122"/>
-                <a:ea typeface="微软雅黑" panose="020B0503020204020204" charset="-122"/>
-                <a:cs typeface="微软雅黑" panose="020B0503020204020204" charset="-122"/>
-              </a:rPr>
-              <a:t>玩转</a:t>
-            </a:r>
-            <a:r>
-              <a:rPr lang="en-US" altLang="zh-CN" sz="4000" b="1" dirty="0" err="1" smtClean="0">
-                <a:solidFill>
-                  <a:srgbClr val="F50A64"/>
-                </a:solidFill>
-                <a:latin typeface="微软雅黑" panose="020B0503020204020204" charset="-122"/>
-                <a:ea typeface="微软雅黑" panose="020B0503020204020204" charset="-122"/>
-                <a:cs typeface="微软雅黑" panose="020B0503020204020204" charset="-122"/>
-              </a:rPr>
-              <a:t>git</a:t>
-            </a:r>
-            <a:r>
-              <a:rPr lang="zh-CN" altLang="en-US" sz="4000" b="1" dirty="0" smtClean="0">
-                <a:solidFill>
-                  <a:srgbClr val="F50A64"/>
-                </a:solidFill>
-                <a:latin typeface="微软雅黑" panose="020B0503020204020204" charset="-122"/>
-                <a:ea typeface="微软雅黑" panose="020B0503020204020204" charset="-122"/>
-                <a:cs typeface="微软雅黑" panose="020B0503020204020204" charset="-122"/>
-              </a:rPr>
-              <a:t>和</a:t>
-            </a:r>
-            <a:r>
-              <a:rPr lang="en-US" altLang="zh-CN" sz="4000" b="1" dirty="0" err="1" smtClean="0">
-                <a:solidFill>
-                  <a:srgbClr val="F50A64"/>
-                </a:solidFill>
-                <a:latin typeface="微软雅黑" panose="020B0503020204020204" charset="-122"/>
-                <a:ea typeface="微软雅黑" panose="020B0503020204020204" charset="-122"/>
-                <a:cs typeface="微软雅黑" panose="020B0503020204020204" charset="-122"/>
-              </a:rPr>
-              <a:t>github</a:t>
-            </a:r>
-            <a:endParaRPr lang="en-US" altLang="zh-CN" sz="4000" b="1" dirty="0" smtClean="0">
-              <a:solidFill>
-                <a:srgbClr val="F50A64"/>
-              </a:solidFill>
-              <a:latin typeface="微软雅黑" panose="020B0503020204020204" charset="-122"/>
-              <a:ea typeface="微软雅黑" panose="020B0503020204020204" charset="-122"/>
-              <a:cs typeface="微软雅黑" panose="020B0503020204020204" charset="-122"/>
-            </a:endParaRPr>
-          </a:p>
-        </p:txBody>
-      </p:sp>
-      <p:sp>
-        <p:nvSpPr>
           <p:cNvPr id="14338" name="内容占位符 2"/>
           <p:cNvSpPr>
             <a:spLocks noGrp="1"/>
@@ -5569,82 +5734,6 @@
       </p:grpSpPr>
       <p:sp>
         <p:nvSpPr>
-          <p:cNvPr id="14337" name="标题 1"/>
-          <p:cNvSpPr>
-            <a:spLocks noGrp="1"/>
-          </p:cNvSpPr>
-          <p:nvPr>
-            <p:ph type="title"/>
-          </p:nvPr>
-        </p:nvSpPr>
-        <p:spPr>
-          <a:xfrm>
-            <a:off x="1981200" y="485775"/>
-            <a:ext cx="8229600" cy="1143000"/>
-          </a:xfrm>
-        </p:spPr>
-        <p:txBody>
-          <a:bodyPr/>
-          <a:lstStyle/>
-          <a:p>
-            <a:pPr algn="l" eaLnBrk="1" hangingPunct="1"/>
-            <a:r>
-              <a:rPr lang="zh-CN" altLang="en-US" sz="4000" b="1" dirty="0" smtClean="0">
-                <a:solidFill>
-                  <a:srgbClr val="F50A64"/>
-                </a:solidFill>
-                <a:latin typeface="微软雅黑" panose="020B0503020204020204" charset="-122"/>
-                <a:ea typeface="微软雅黑" panose="020B0503020204020204" charset="-122"/>
-                <a:cs typeface="微软雅黑" panose="020B0503020204020204" charset="-122"/>
-              </a:rPr>
-              <a:t>玩转</a:t>
-            </a:r>
-            <a:r>
-              <a:rPr lang="en-US" altLang="zh-CN" sz="4000" b="1" dirty="0" err="1" smtClean="0">
-                <a:solidFill>
-                  <a:srgbClr val="F50A64"/>
-                </a:solidFill>
-                <a:latin typeface="微软雅黑" panose="020B0503020204020204" charset="-122"/>
-                <a:ea typeface="微软雅黑" panose="020B0503020204020204" charset="-122"/>
-                <a:cs typeface="微软雅黑" panose="020B0503020204020204" charset="-122"/>
-              </a:rPr>
-              <a:t>git</a:t>
-            </a:r>
-            <a:r>
-              <a:rPr lang="zh-CN" altLang="en-US" sz="4000" b="1" dirty="0" smtClean="0">
-                <a:solidFill>
-                  <a:srgbClr val="F50A64"/>
-                </a:solidFill>
-                <a:latin typeface="微软雅黑" panose="020B0503020204020204" charset="-122"/>
-                <a:ea typeface="微软雅黑" panose="020B0503020204020204" charset="-122"/>
-                <a:cs typeface="微软雅黑" panose="020B0503020204020204" charset="-122"/>
-              </a:rPr>
-              <a:t>和</a:t>
-            </a:r>
-            <a:r>
-              <a:rPr lang="en-US" altLang="zh-CN" sz="4000" b="1" dirty="0" err="1" smtClean="0">
-                <a:solidFill>
-                  <a:srgbClr val="F50A64"/>
-                </a:solidFill>
-                <a:latin typeface="微软雅黑" panose="020B0503020204020204" charset="-122"/>
-                <a:ea typeface="微软雅黑" panose="020B0503020204020204" charset="-122"/>
-                <a:cs typeface="微软雅黑" panose="020B0503020204020204" charset="-122"/>
-              </a:rPr>
-              <a:t>github</a:t>
-            </a:r>
-            <a:endParaRPr lang="en-US" altLang="zh-CN" sz="4000" b="1" dirty="0" smtClean="0">
-              <a:solidFill>
-                <a:srgbClr val="F50A64"/>
-              </a:solidFill>
-              <a:latin typeface="微软雅黑" panose="020B0503020204020204" charset="-122"/>
-              <a:ea typeface="微软雅黑" panose="020B0503020204020204" charset="-122"/>
-              <a:cs typeface="微软雅黑" panose="020B0503020204020204" charset="-122"/>
-            </a:endParaRPr>
-          </a:p>
-        </p:txBody>
-      </p:sp>
-      <p:sp>
-        <p:nvSpPr>
           <p:cNvPr id="14338" name="内容占位符 2"/>
           <p:cNvSpPr>
             <a:spLocks noGrp="1"/>
@@ -5933,82 +6022,6 @@
       </p:grpSpPr>
       <p:sp>
         <p:nvSpPr>
-          <p:cNvPr id="14337" name="标题 1"/>
-          <p:cNvSpPr>
-            <a:spLocks noGrp="1"/>
-          </p:cNvSpPr>
-          <p:nvPr>
-            <p:ph type="title"/>
-          </p:nvPr>
-        </p:nvSpPr>
-        <p:spPr>
-          <a:xfrm>
-            <a:off x="1981200" y="485775"/>
-            <a:ext cx="8229600" cy="1143000"/>
-          </a:xfrm>
-        </p:spPr>
-        <p:txBody>
-          <a:bodyPr/>
-          <a:lstStyle/>
-          <a:p>
-            <a:pPr algn="l" eaLnBrk="1" hangingPunct="1"/>
-            <a:r>
-              <a:rPr lang="zh-CN" altLang="en-US" sz="4000" b="1" dirty="0" smtClean="0">
-                <a:solidFill>
-                  <a:srgbClr val="F50A64"/>
-                </a:solidFill>
-                <a:latin typeface="微软雅黑" panose="020B0503020204020204" charset="-122"/>
-                <a:ea typeface="微软雅黑" panose="020B0503020204020204" charset="-122"/>
-                <a:cs typeface="微软雅黑" panose="020B0503020204020204" charset="-122"/>
-              </a:rPr>
-              <a:t>玩转</a:t>
-            </a:r>
-            <a:r>
-              <a:rPr lang="en-US" altLang="zh-CN" sz="4000" b="1" dirty="0" err="1" smtClean="0">
-                <a:solidFill>
-                  <a:srgbClr val="F50A64"/>
-                </a:solidFill>
-                <a:latin typeface="微软雅黑" panose="020B0503020204020204" charset="-122"/>
-                <a:ea typeface="微软雅黑" panose="020B0503020204020204" charset="-122"/>
-                <a:cs typeface="微软雅黑" panose="020B0503020204020204" charset="-122"/>
-              </a:rPr>
-              <a:t>git</a:t>
-            </a:r>
-            <a:r>
-              <a:rPr lang="zh-CN" altLang="en-US" sz="4000" b="1" dirty="0" smtClean="0">
-                <a:solidFill>
-                  <a:srgbClr val="F50A64"/>
-                </a:solidFill>
-                <a:latin typeface="微软雅黑" panose="020B0503020204020204" charset="-122"/>
-                <a:ea typeface="微软雅黑" panose="020B0503020204020204" charset="-122"/>
-                <a:cs typeface="微软雅黑" panose="020B0503020204020204" charset="-122"/>
-              </a:rPr>
-              <a:t>和</a:t>
-            </a:r>
-            <a:r>
-              <a:rPr lang="en-US" altLang="zh-CN" sz="4000" b="1" dirty="0" err="1" smtClean="0">
-                <a:solidFill>
-                  <a:srgbClr val="F50A64"/>
-                </a:solidFill>
-                <a:latin typeface="微软雅黑" panose="020B0503020204020204" charset="-122"/>
-                <a:ea typeface="微软雅黑" panose="020B0503020204020204" charset="-122"/>
-                <a:cs typeface="微软雅黑" panose="020B0503020204020204" charset="-122"/>
-              </a:rPr>
-              <a:t>github</a:t>
-            </a:r>
-            <a:endParaRPr lang="en-US" altLang="zh-CN" sz="4000" b="1" dirty="0" smtClean="0">
-              <a:solidFill>
-                <a:srgbClr val="F50A64"/>
-              </a:solidFill>
-              <a:latin typeface="微软雅黑" panose="020B0503020204020204" charset="-122"/>
-              <a:ea typeface="微软雅黑" panose="020B0503020204020204" charset="-122"/>
-              <a:cs typeface="微软雅黑" panose="020B0503020204020204" charset="-122"/>
-            </a:endParaRPr>
-          </a:p>
-        </p:txBody>
-      </p:sp>
-      <p:sp>
-        <p:nvSpPr>
           <p:cNvPr id="14338" name="内容占位符 2"/>
           <p:cNvSpPr>
             <a:spLocks noGrp="1"/>
@@ -6254,82 +6267,6 @@
       </p:grpSpPr>
       <p:sp>
         <p:nvSpPr>
-          <p:cNvPr id="14337" name="标题 1"/>
-          <p:cNvSpPr>
-            <a:spLocks noGrp="1"/>
-          </p:cNvSpPr>
-          <p:nvPr>
-            <p:ph type="title"/>
-          </p:nvPr>
-        </p:nvSpPr>
-        <p:spPr>
-          <a:xfrm>
-            <a:off x="1981200" y="485775"/>
-            <a:ext cx="8229600" cy="1143000"/>
-          </a:xfrm>
-        </p:spPr>
-        <p:txBody>
-          <a:bodyPr/>
-          <a:lstStyle/>
-          <a:p>
-            <a:pPr algn="l" eaLnBrk="1" hangingPunct="1"/>
-            <a:r>
-              <a:rPr lang="zh-CN" altLang="en-US" sz="4000" b="1" dirty="0" smtClean="0">
-                <a:solidFill>
-                  <a:srgbClr val="F50A64"/>
-                </a:solidFill>
-                <a:latin typeface="微软雅黑" panose="020B0503020204020204" charset="-122"/>
-                <a:ea typeface="微软雅黑" panose="020B0503020204020204" charset="-122"/>
-                <a:cs typeface="微软雅黑" panose="020B0503020204020204" charset="-122"/>
-              </a:rPr>
-              <a:t>玩转</a:t>
-            </a:r>
-            <a:r>
-              <a:rPr lang="en-US" altLang="zh-CN" sz="4000" b="1" dirty="0" err="1" smtClean="0">
-                <a:solidFill>
-                  <a:srgbClr val="F50A64"/>
-                </a:solidFill>
-                <a:latin typeface="微软雅黑" panose="020B0503020204020204" charset="-122"/>
-                <a:ea typeface="微软雅黑" panose="020B0503020204020204" charset="-122"/>
-                <a:cs typeface="微软雅黑" panose="020B0503020204020204" charset="-122"/>
-              </a:rPr>
-              <a:t>git</a:t>
-            </a:r>
-            <a:r>
-              <a:rPr lang="zh-CN" altLang="en-US" sz="4000" b="1" dirty="0" smtClean="0">
-                <a:solidFill>
-                  <a:srgbClr val="F50A64"/>
-                </a:solidFill>
-                <a:latin typeface="微软雅黑" panose="020B0503020204020204" charset="-122"/>
-                <a:ea typeface="微软雅黑" panose="020B0503020204020204" charset="-122"/>
-                <a:cs typeface="微软雅黑" panose="020B0503020204020204" charset="-122"/>
-              </a:rPr>
-              <a:t>和</a:t>
-            </a:r>
-            <a:r>
-              <a:rPr lang="en-US" altLang="zh-CN" sz="4000" b="1" dirty="0" err="1" smtClean="0">
-                <a:solidFill>
-                  <a:srgbClr val="F50A64"/>
-                </a:solidFill>
-                <a:latin typeface="微软雅黑" panose="020B0503020204020204" charset="-122"/>
-                <a:ea typeface="微软雅黑" panose="020B0503020204020204" charset="-122"/>
-                <a:cs typeface="微软雅黑" panose="020B0503020204020204" charset="-122"/>
-              </a:rPr>
-              <a:t>github</a:t>
-            </a:r>
-            <a:endParaRPr lang="en-US" altLang="zh-CN" sz="4000" b="1" dirty="0" smtClean="0">
-              <a:solidFill>
-                <a:srgbClr val="F50A64"/>
-              </a:solidFill>
-              <a:latin typeface="微软雅黑" panose="020B0503020204020204" charset="-122"/>
-              <a:ea typeface="微软雅黑" panose="020B0503020204020204" charset="-122"/>
-              <a:cs typeface="微软雅黑" panose="020B0503020204020204" charset="-122"/>
-            </a:endParaRPr>
-          </a:p>
-        </p:txBody>
-      </p:sp>
-      <p:sp>
-        <p:nvSpPr>
           <p:cNvPr id="14338" name="内容占位符 2"/>
           <p:cNvSpPr>
             <a:spLocks noGrp="1"/>
@@ -6496,209 +6433,6 @@
               <a:latin typeface="微软雅黑" panose="020B0503020204020204" charset="-122"/>
               <a:ea typeface="微软雅黑" panose="020B0503020204020204" charset="-122"/>
               <a:cs typeface="微软雅黑" panose="020B0503020204020204" charset="-122"/>
-            </a:endParaRPr>
-          </a:p>
-        </p:txBody>
-      </p:sp>
-    </p:spTree>
-  </p:cSld>
-  <p:clrMapOvr>
-    <a:masterClrMapping/>
-  </p:clrMapOvr>
-  <p:transition spd="slow">
-    <p:fade/>
-  </p:transition>
-  <p:timing>
-    <p:tnLst>
-      <p:par>
-        <p:cTn id="1" dur="indefinite" restart="never" nodeType="tmRoot"/>
-      </p:par>
-    </p:tnLst>
-  </p:timing>
-</p:sld>
-</file>
-
-<file path=ppt/slides/slide16.xml><?xml version="1.0" encoding="utf-8"?>
-<p:sld xmlns:a="http://schemas.openxmlformats.org/drawingml/2006/main" xmlns:r="http://schemas.openxmlformats.org/officeDocument/2006/relationships" xmlns:p="http://schemas.openxmlformats.org/presentationml/2006/main">
-  <p:cSld>
-    <p:spTree>
-      <p:nvGrpSpPr>
-        <p:cNvPr id="1" name=""/>
-        <p:cNvGrpSpPr/>
-        <p:nvPr/>
-      </p:nvGrpSpPr>
-      <p:grpSpPr>
-        <a:xfrm>
-          <a:off x="0" y="0"/>
-          <a:ext cx="0" cy="0"/>
-          <a:chOff x="0" y="0"/>
-          <a:chExt cx="0" cy="0"/>
-        </a:xfrm>
-      </p:grpSpPr>
-      <p:sp>
-        <p:nvSpPr>
-          <p:cNvPr id="2" name="标题 1"/>
-          <p:cNvSpPr>
-            <a:spLocks noGrp="1"/>
-          </p:cNvSpPr>
-          <p:nvPr>
-            <p:ph type="title"/>
-          </p:nvPr>
-        </p:nvSpPr>
-        <p:spPr>
-          <a:xfrm>
-            <a:off x="1981200" y="485775"/>
-            <a:ext cx="8229600" cy="1143000"/>
-          </a:xfrm>
-        </p:spPr>
-        <p:txBody>
-          <a:bodyPr rtlCol="0">
-            <a:normAutofit/>
-          </a:bodyPr>
-          <a:lstStyle/>
-          <a:p>
-            <a:pPr algn="l" eaLnBrk="1" fontAlgn="auto" hangingPunct="1">
-              <a:spcAft>
-                <a:spcPts val="0"/>
-              </a:spcAft>
-              <a:defRPr/>
-            </a:pPr>
-            <a:r>
-              <a:rPr lang="zh-CN" altLang="en-US" sz="3600" b="1" dirty="0">
-                <a:solidFill>
-                  <a:srgbClr val="F50A64"/>
-                </a:solidFill>
-                <a:uFill>
-                  <a:solidFill>
-                    <a:schemeClr val="bg1">
-                      <a:lumMod val="50000"/>
-                    </a:schemeClr>
-                  </a:solidFill>
-                </a:uFill>
-                <a:latin typeface="微软雅黑" panose="020B0503020204020204" charset="-122"/>
-                <a:ea typeface="微软雅黑" panose="020B0503020204020204" charset="-122"/>
-              </a:rPr>
-              <a:t>本</a:t>
-            </a:r>
-            <a:r>
-              <a:rPr lang="zh-CN" altLang="en-US" sz="3600" b="1">
-                <a:solidFill>
-                  <a:srgbClr val="F50A64"/>
-                </a:solidFill>
-                <a:uFill>
-                  <a:solidFill>
-                    <a:schemeClr val="bg1">
-                      <a:lumMod val="50000"/>
-                    </a:schemeClr>
-                  </a:solidFill>
-                </a:uFill>
-                <a:latin typeface="微软雅黑" panose="020B0503020204020204" charset="-122"/>
-                <a:ea typeface="微软雅黑" panose="020B0503020204020204" charset="-122"/>
-              </a:rPr>
-              <a:t>课</a:t>
-            </a:r>
-            <a:r>
-              <a:rPr lang="zh-CN" altLang="en-US" sz="3600" b="1" smtClean="0">
-                <a:solidFill>
-                  <a:srgbClr val="F50A64"/>
-                </a:solidFill>
-                <a:uFill>
-                  <a:solidFill>
-                    <a:schemeClr val="bg1">
-                      <a:lumMod val="50000"/>
-                    </a:schemeClr>
-                  </a:solidFill>
-                </a:uFill>
-                <a:latin typeface="微软雅黑" panose="020B0503020204020204" charset="-122"/>
-                <a:ea typeface="微软雅黑" panose="020B0503020204020204" charset="-122"/>
-              </a:rPr>
-              <a:t>练习</a:t>
-            </a:r>
-            <a:endParaRPr lang="zh-CN" altLang="en-US" sz="3600" b="1" dirty="0">
-              <a:solidFill>
-                <a:srgbClr val="F50A64"/>
-              </a:solidFill>
-              <a:uFill>
-                <a:solidFill>
-                  <a:schemeClr val="bg1">
-                    <a:lumMod val="50000"/>
-                  </a:schemeClr>
-                </a:solidFill>
-              </a:uFill>
-              <a:latin typeface="微软雅黑" panose="020B0503020204020204" charset="-122"/>
-              <a:ea typeface="微软雅黑" panose="020B0503020204020204" charset="-122"/>
-            </a:endParaRPr>
-          </a:p>
-        </p:txBody>
-      </p:sp>
-      <p:sp>
-        <p:nvSpPr>
-          <p:cNvPr id="27651" name="内容占位符 2"/>
-          <p:cNvSpPr>
-            <a:spLocks noGrp="1"/>
-          </p:cNvSpPr>
-          <p:nvPr>
-            <p:ph idx="1"/>
-          </p:nvPr>
-        </p:nvSpPr>
-        <p:spPr>
-          <a:xfrm>
-            <a:off x="1981200" y="1711325"/>
-            <a:ext cx="8229600" cy="4525963"/>
-          </a:xfrm>
-        </p:spPr>
-        <p:txBody>
-          <a:bodyPr/>
-          <a:lstStyle/>
-          <a:p>
-            <a:pPr marL="342900" lvl="1" indent="-342900" eaLnBrk="1" hangingPunct="1">
-              <a:buClr>
-                <a:srgbClr val="F50A64"/>
-              </a:buClr>
-              <a:buFont typeface="Wingdings" panose="05000000000000000000" pitchFamily="2" charset="2"/>
-              <a:buChar char="l"/>
-            </a:pPr>
-            <a:endParaRPr lang="en-US" altLang="zh-CN" dirty="0" smtClean="0">
-              <a:solidFill>
-                <a:srgbClr val="404040"/>
-              </a:solidFill>
-              <a:latin typeface="微软雅黑" panose="020B0503020204020204" charset="-122"/>
-              <a:ea typeface="微软雅黑" panose="020B0503020204020204" charset="-122"/>
-              <a:cs typeface="微软雅黑" panose="020B0503020204020204" charset="-122"/>
-            </a:endParaRPr>
-          </a:p>
-        </p:txBody>
-      </p:sp>
-      <p:sp>
-        <p:nvSpPr>
-          <p:cNvPr id="27652" name="Rectangle 2"/>
-          <p:cNvSpPr>
-            <a:spLocks noChangeArrowheads="1"/>
-          </p:cNvSpPr>
-          <p:nvPr/>
-        </p:nvSpPr>
-        <p:spPr bwMode="auto">
-          <a:xfrm>
-            <a:off x="1524000" y="-184150"/>
-            <a:ext cx="309880" cy="368300"/>
-          </a:xfrm>
-          <a:prstGeom prst="rect">
-            <a:avLst/>
-          </a:prstGeom>
-          <a:noFill/>
-          <a:ln w="9525">
-            <a:noFill/>
-            <a:miter lim="800000"/>
-          </a:ln>
-        </p:spPr>
-        <p:txBody>
-          <a:bodyPr wrap="none" anchor="ctr">
-            <a:spAutoFit/>
-          </a:bodyPr>
-          <a:lstStyle/>
-          <a:p>
-            <a:endParaRPr lang="zh-CN" altLang="en-US">
-              <a:latin typeface="Calibri" panose="020F0502020204030204" charset="0"/>
             </a:endParaRPr>
           </a:p>
         </p:txBody>
@@ -8136,6 +7870,66 @@
               <a:latin typeface="微软雅黑" panose="020B0503020204020204" charset="-122"/>
               <a:ea typeface="微软雅黑" panose="020B0503020204020204" charset="-122"/>
               <a:cs typeface="微软雅黑" panose="020B0503020204020204" charset="-122"/>
+            </a:endParaRPr>
+          </a:p>
+        </p:txBody>
+      </p:sp>
+      <p:sp>
+        <p:nvSpPr>
+          <p:cNvPr id="5" name="文本框 4"/>
+          <p:cNvSpPr txBox="1"/>
+          <p:nvPr/>
+        </p:nvSpPr>
+        <p:spPr>
+          <a:xfrm>
+            <a:off x="1428115" y="24130"/>
+            <a:ext cx="8310880" cy="548640"/>
+          </a:xfrm>
+          <a:prstGeom prst="rect">
+            <a:avLst/>
+          </a:prstGeom>
+          <a:solidFill>
+            <a:srgbClr val="0090E2"/>
+          </a:solidFill>
+        </p:spPr>
+        <p:txBody>
+          <a:bodyPr wrap="square" rtlCol="0">
+            <a:spAutoFit/>
+          </a:bodyPr>
+          <a:p>
+            <a:pPr algn="ctr"/>
+            <a:r>
+              <a:rPr lang="en-US" altLang="zh-CN" sz="2800" b="1" dirty="0" err="1" smtClean="0">
+                <a:solidFill>
+                  <a:schemeClr val="bg1"/>
+                </a:solidFill>
+                <a:latin typeface="微软雅黑" panose="020B0503020204020204" charset="-122"/>
+                <a:ea typeface="微软雅黑" panose="020B0503020204020204" charset="-122"/>
+                <a:cs typeface="微软雅黑" panose="020B0503020204020204" charset="-122"/>
+                <a:sym typeface="+mn-ea"/>
+              </a:rPr>
+              <a:t> </a:t>
+            </a:r>
+            <a:r>
+              <a:rPr lang="zh-CN" altLang="en-US" sz="2800" b="1" dirty="0" err="1" smtClean="0">
+                <a:solidFill>
+                  <a:schemeClr val="bg1"/>
+                </a:solidFill>
+                <a:latin typeface="微软雅黑" panose="020B0503020204020204" charset="-122"/>
+                <a:ea typeface="微软雅黑" panose="020B0503020204020204" charset="-122"/>
+                <a:cs typeface="微软雅黑" panose="020B0503020204020204" charset="-122"/>
+                <a:sym typeface="+mn-ea"/>
+              </a:rPr>
+              <a:t>创建仓库</a:t>
+            </a:r>
+            <a:endParaRPr lang="zh-CN" altLang="en-US" sz="2800" b="1" dirty="0" err="1" smtClean="0">
+              <a:solidFill>
+                <a:schemeClr val="bg1"/>
+              </a:solidFill>
+              <a:latin typeface="微软雅黑" panose="020B0503020204020204" charset="-122"/>
+              <a:ea typeface="微软雅黑" panose="020B0503020204020204" charset="-122"/>
+              <a:cs typeface="微软雅黑" panose="020B0503020204020204" charset="-122"/>
+              <a:sym typeface="+mn-ea"/>
             </a:endParaRPr>
           </a:p>
         </p:txBody>

--- a/玩转git与github.pptx
+++ b/玩转git与github.pptx
@@ -18,11 +18,13 @@
     <p:sldId id="330" r:id="rId10"/>
     <p:sldId id="331" r:id="rId11"/>
     <p:sldId id="332" r:id="rId13"/>
-    <p:sldId id="333" r:id="rId14"/>
-    <p:sldId id="334" r:id="rId15"/>
-    <p:sldId id="335" r:id="rId16"/>
-    <p:sldId id="336" r:id="rId17"/>
-    <p:sldId id="337" r:id="rId18"/>
+    <p:sldId id="340" r:id="rId14"/>
+    <p:sldId id="338" r:id="rId15"/>
+    <p:sldId id="333" r:id="rId16"/>
+    <p:sldId id="334" r:id="rId17"/>
+    <p:sldId id="335" r:id="rId18"/>
+    <p:sldId id="336" r:id="rId19"/>
+    <p:sldId id="337" r:id="rId20"/>
   </p:sldIdLst>
   <p:sldSz cx="12192000" cy="6858000"/>
   <p:notesSz cx="6858000" cy="9144000"/>
@@ -128,19 +130,21 @@
           <p14:sldIdLst>
             <p14:sldId id="256"/>
             <p14:sldId id="324"/>
-            <p14:sldId id="328"/>
+            <p14:sldId id="325"/>
+            <p14:sldId id="327"/>
+            <p14:sldId id="330"/>
             <p14:sldId id="333"/>
             <p14:sldId id="334"/>
             <p14:sldId id="335"/>
             <p14:sldId id="336"/>
-            <p14:sldId id="330"/>
+            <p14:sldId id="337"/>
             <p14:sldId id="326"/>
-            <p14:sldId id="325"/>
+            <p14:sldId id="328"/>
             <p14:sldId id="329"/>
-            <p14:sldId id="327"/>
             <p14:sldId id="331"/>
             <p14:sldId id="332"/>
-            <p14:sldId id="337"/>
+            <p14:sldId id="340"/>
+            <p14:sldId id="338"/>
           </p14:sldIdLst>
         </p14:section>
       </p14:sectionLst>
@@ -4218,8 +4222,8 @@
         </p:nvSpPr>
         <p:spPr>
           <a:xfrm>
-            <a:off x="1856105" y="920750"/>
-            <a:ext cx="8229600" cy="5215890"/>
+            <a:off x="1844675" y="1087120"/>
+            <a:ext cx="8229600" cy="3826510"/>
           </a:xfrm>
         </p:spPr>
         <p:txBody>
@@ -4578,7 +4582,7 @@
             <a:r>
               <a:rPr lang="zh-CN" altLang="en-US" sz="1600" dirty="0" smtClean="0">
                 <a:solidFill>
-                  <a:srgbClr val="404040"/>
+                  <a:srgbClr val="0090E2"/>
                 </a:solidFill>
                 <a:latin typeface="微软雅黑" panose="020B0503020204020204" charset="-122"/>
                 <a:ea typeface="微软雅黑" panose="020B0503020204020204" charset="-122"/>
@@ -4588,7 +4592,7 @@
             </a:r>
             <a:endParaRPr lang="zh-CN" altLang="en-US" sz="1600" dirty="0" smtClean="0">
               <a:solidFill>
-                <a:srgbClr val="404040"/>
+                <a:srgbClr val="0090E2"/>
               </a:solidFill>
               <a:latin typeface="微软雅黑" panose="020B0503020204020204" charset="-122"/>
               <a:ea typeface="微软雅黑" panose="020B0503020204020204" charset="-122"/>
@@ -4608,11 +4612,22 @@
                 <a:ea typeface="微软雅黑" panose="020B0503020204020204" charset="-122"/>
                 <a:cs typeface="微软雅黑" panose="020B0503020204020204" charset="-122"/>
               </a:rPr>
-              <a:t>再执行语句 git push -u origin master</a:t>
+              <a:t>再执行语句 </a:t>
+            </a:r>
+            <a:r>
+              <a:rPr lang="zh-CN" altLang="en-US" sz="1600" dirty="0" smtClean="0">
+                <a:solidFill>
+                  <a:srgbClr val="0090E2"/>
+                </a:solidFill>
+                <a:latin typeface="微软雅黑" panose="020B0503020204020204" charset="-122"/>
+                <a:ea typeface="微软雅黑" panose="020B0503020204020204" charset="-122"/>
+                <a:cs typeface="微软雅黑" panose="020B0503020204020204" charset="-122"/>
+              </a:rPr>
+              <a:t>git push -u origin master</a:t>
             </a:r>
             <a:endParaRPr lang="zh-CN" altLang="en-US" sz="1600" dirty="0" smtClean="0">
               <a:solidFill>
-                <a:srgbClr val="404040"/>
+                <a:srgbClr val="0090E2"/>
               </a:solidFill>
               <a:latin typeface="微软雅黑" panose="020B0503020204020204" charset="-122"/>
               <a:ea typeface="微软雅黑" panose="020B0503020204020204" charset="-122"/>
@@ -4647,239 +4662,6 @@
           </a:p>
           <a:p>
             <a:pPr marL="742950" lvl="2" indent="-342900" eaLnBrk="1" hangingPunct="1"/>
-            <a:r>
-              <a:rPr lang="zh-CN" altLang="en-US" dirty="0" smtClean="0">
-                <a:solidFill>
-                  <a:srgbClr val="404040"/>
-                </a:solidFill>
-                <a:latin typeface="微软雅黑" panose="020B0503020204020204" charset="-122"/>
-                <a:ea typeface="微软雅黑" panose="020B0503020204020204" charset="-122"/>
-                <a:cs typeface="微软雅黑" panose="020B0503020204020204" charset="-122"/>
-              </a:rPr>
-              <a:t>多人协作解决冲突 </a:t>
-            </a:r>
-            <a:endParaRPr lang="en-US" altLang="zh-CN" dirty="0" smtClean="0">
-              <a:solidFill>
-                <a:srgbClr val="404040"/>
-              </a:solidFill>
-              <a:latin typeface="微软雅黑" panose="020B0503020204020204" charset="-122"/>
-              <a:ea typeface="微软雅黑" panose="020B0503020204020204" charset="-122"/>
-              <a:cs typeface="微软雅黑" panose="020B0503020204020204" charset="-122"/>
-            </a:endParaRPr>
-          </a:p>
-          <a:p>
-            <a:pPr marL="1200150" lvl="3" indent="-342900" eaLnBrk="1" hangingPunct="1"/>
-            <a:r>
-              <a:rPr lang="en-US" altLang="zh-CN" dirty="0" err="1" smtClean="0">
-                <a:solidFill>
-                  <a:srgbClr val="404040"/>
-                </a:solidFill>
-                <a:latin typeface="微软雅黑" panose="020B0503020204020204" charset="-122"/>
-                <a:ea typeface="微软雅黑" panose="020B0503020204020204" charset="-122"/>
-                <a:cs typeface="微软雅黑" panose="020B0503020204020204" charset="-122"/>
-              </a:rPr>
-              <a:t>git</a:t>
-            </a:r>
-            <a:r>
-              <a:rPr lang="en-US" altLang="zh-CN" dirty="0" smtClean="0">
-                <a:solidFill>
-                  <a:srgbClr val="404040"/>
-                </a:solidFill>
-                <a:latin typeface="微软雅黑" panose="020B0503020204020204" charset="-122"/>
-                <a:ea typeface="微软雅黑" panose="020B0503020204020204" charset="-122"/>
-                <a:cs typeface="微软雅黑" panose="020B0503020204020204" charset="-122"/>
-              </a:rPr>
-              <a:t> fetch </a:t>
-            </a:r>
-            <a:r>
-              <a:rPr lang="zh-CN" altLang="en-US" dirty="0" smtClean="0">
-                <a:solidFill>
-                  <a:srgbClr val="404040"/>
-                </a:solidFill>
-                <a:latin typeface="微软雅黑" panose="020B0503020204020204" charset="-122"/>
-                <a:ea typeface="微软雅黑" panose="020B0503020204020204" charset="-122"/>
-                <a:cs typeface="微软雅黑" panose="020B0503020204020204" charset="-122"/>
-              </a:rPr>
-              <a:t>拉取远程不合并（）</a:t>
-            </a:r>
-            <a:endParaRPr lang="en-US" altLang="zh-CN" dirty="0" smtClean="0">
-              <a:solidFill>
-                <a:srgbClr val="404040"/>
-              </a:solidFill>
-              <a:latin typeface="微软雅黑" panose="020B0503020204020204" charset="-122"/>
-              <a:ea typeface="微软雅黑" panose="020B0503020204020204" charset="-122"/>
-              <a:cs typeface="微软雅黑" panose="020B0503020204020204" charset="-122"/>
-            </a:endParaRPr>
-          </a:p>
-          <a:p>
-            <a:pPr marL="1657350" lvl="4" indent="-342900" eaLnBrk="1" hangingPunct="1"/>
-            <a:r>
-              <a:rPr lang="en-US" altLang="zh-CN" dirty="0" err="1" smtClean="0">
-                <a:solidFill>
-                  <a:srgbClr val="404040"/>
-                </a:solidFill>
-                <a:latin typeface="微软雅黑" panose="020B0503020204020204" charset="-122"/>
-                <a:ea typeface="微软雅黑" panose="020B0503020204020204" charset="-122"/>
-                <a:cs typeface="微软雅黑" panose="020B0503020204020204" charset="-122"/>
-              </a:rPr>
-              <a:t>Git</a:t>
-            </a:r>
-            <a:r>
-              <a:rPr lang="en-US" altLang="zh-CN" dirty="0" smtClean="0">
-                <a:solidFill>
-                  <a:srgbClr val="404040"/>
-                </a:solidFill>
-                <a:latin typeface="微软雅黑" panose="020B0503020204020204" charset="-122"/>
-                <a:ea typeface="微软雅黑" panose="020B0503020204020204" charset="-122"/>
-                <a:cs typeface="微软雅黑" panose="020B0503020204020204" charset="-122"/>
-              </a:rPr>
-              <a:t> diff master origin/master  </a:t>
-            </a:r>
-            <a:r>
-              <a:rPr lang="zh-CN" altLang="en-US" dirty="0" smtClean="0">
-                <a:solidFill>
-                  <a:srgbClr val="404040"/>
-                </a:solidFill>
-                <a:latin typeface="微软雅黑" panose="020B0503020204020204" charset="-122"/>
-                <a:ea typeface="微软雅黑" panose="020B0503020204020204" charset="-122"/>
-                <a:cs typeface="微软雅黑" panose="020B0503020204020204" charset="-122"/>
-              </a:rPr>
-              <a:t>查看不同</a:t>
-            </a:r>
-            <a:endParaRPr lang="zh-CN" altLang="en-US" dirty="0" smtClean="0">
-              <a:solidFill>
-                <a:srgbClr val="404040"/>
-              </a:solidFill>
-              <a:latin typeface="微软雅黑" panose="020B0503020204020204" charset="-122"/>
-              <a:ea typeface="微软雅黑" panose="020B0503020204020204" charset="-122"/>
-              <a:cs typeface="微软雅黑" panose="020B0503020204020204" charset="-122"/>
-            </a:endParaRPr>
-          </a:p>
-          <a:p>
-            <a:pPr marL="1657350" lvl="4" indent="-342900" eaLnBrk="1" hangingPunct="1"/>
-            <a:r>
-              <a:rPr lang="en-US" altLang="zh-CN" dirty="0" err="1" smtClean="0">
-                <a:solidFill>
-                  <a:srgbClr val="404040"/>
-                </a:solidFill>
-                <a:latin typeface="微软雅黑" panose="020B0503020204020204" charset="-122"/>
-                <a:ea typeface="微软雅黑" panose="020B0503020204020204" charset="-122"/>
-                <a:cs typeface="微软雅黑" panose="020B0503020204020204" charset="-122"/>
-              </a:rPr>
-              <a:t>Git</a:t>
-            </a:r>
-            <a:r>
-              <a:rPr lang="en-US" altLang="zh-CN" dirty="0" smtClean="0">
-                <a:solidFill>
-                  <a:srgbClr val="404040"/>
-                </a:solidFill>
-                <a:latin typeface="微软雅黑" panose="020B0503020204020204" charset="-122"/>
-                <a:ea typeface="微软雅黑" panose="020B0503020204020204" charset="-122"/>
-                <a:cs typeface="微软雅黑" panose="020B0503020204020204" charset="-122"/>
-              </a:rPr>
-              <a:t> merge  </a:t>
-            </a:r>
-            <a:r>
-              <a:rPr lang="en-US" altLang="zh-CN" dirty="0" err="1" smtClean="0">
-                <a:solidFill>
-                  <a:srgbClr val="404040"/>
-                </a:solidFill>
-                <a:latin typeface="微软雅黑" panose="020B0503020204020204" charset="-122"/>
-                <a:ea typeface="微软雅黑" panose="020B0503020204020204" charset="-122"/>
-                <a:cs typeface="微软雅黑" panose="020B0503020204020204" charset="-122"/>
-              </a:rPr>
-              <a:t>orgin</a:t>
-            </a:r>
-            <a:r>
-              <a:rPr lang="en-US" altLang="zh-CN" dirty="0" smtClean="0">
-                <a:solidFill>
-                  <a:srgbClr val="404040"/>
-                </a:solidFill>
-                <a:latin typeface="微软雅黑" panose="020B0503020204020204" charset="-122"/>
-                <a:ea typeface="微软雅黑" panose="020B0503020204020204" charset="-122"/>
-                <a:cs typeface="微软雅黑" panose="020B0503020204020204" charset="-122"/>
-              </a:rPr>
-              <a:t>/master         </a:t>
-            </a:r>
-            <a:r>
-              <a:rPr lang="zh-CN" altLang="en-US" dirty="0" smtClean="0">
-                <a:solidFill>
-                  <a:srgbClr val="404040"/>
-                </a:solidFill>
-                <a:latin typeface="微软雅黑" panose="020B0503020204020204" charset="-122"/>
-                <a:ea typeface="微软雅黑" panose="020B0503020204020204" charset="-122"/>
-                <a:cs typeface="微软雅黑" panose="020B0503020204020204" charset="-122"/>
-                <a:sym typeface="+mn-ea"/>
-              </a:rPr>
-              <a:t>确定合并</a:t>
-            </a:r>
-            <a:endParaRPr lang="en-US" altLang="zh-CN" dirty="0" smtClean="0">
-              <a:solidFill>
-                <a:srgbClr val="404040"/>
-              </a:solidFill>
-              <a:latin typeface="微软雅黑" panose="020B0503020204020204" charset="-122"/>
-              <a:ea typeface="微软雅黑" panose="020B0503020204020204" charset="-122"/>
-              <a:cs typeface="微软雅黑" panose="020B0503020204020204" charset="-122"/>
-            </a:endParaRPr>
-          </a:p>
-          <a:p>
-            <a:pPr marL="1200150" lvl="3" indent="-342900" eaLnBrk="1" hangingPunct="1"/>
-            <a:r>
-              <a:rPr lang="en-US" altLang="zh-CN" dirty="0" err="1" smtClean="0">
-                <a:solidFill>
-                  <a:srgbClr val="404040"/>
-                </a:solidFill>
-                <a:latin typeface="微软雅黑" panose="020B0503020204020204" charset="-122"/>
-                <a:ea typeface="微软雅黑" panose="020B0503020204020204" charset="-122"/>
-                <a:cs typeface="微软雅黑" panose="020B0503020204020204" charset="-122"/>
-              </a:rPr>
-              <a:t>git</a:t>
-            </a:r>
-            <a:r>
-              <a:rPr lang="en-US" altLang="zh-CN" dirty="0" smtClean="0">
-                <a:solidFill>
-                  <a:srgbClr val="404040"/>
-                </a:solidFill>
-                <a:latin typeface="微软雅黑" panose="020B0503020204020204" charset="-122"/>
-                <a:ea typeface="微软雅黑" panose="020B0503020204020204" charset="-122"/>
-                <a:cs typeface="微软雅黑" panose="020B0503020204020204" charset="-122"/>
-              </a:rPr>
-              <a:t> pull </a:t>
-            </a:r>
-            <a:r>
-              <a:rPr lang="zh-CN" altLang="en-US" dirty="0" smtClean="0">
-                <a:solidFill>
-                  <a:srgbClr val="404040"/>
-                </a:solidFill>
-                <a:latin typeface="微软雅黑" panose="020B0503020204020204" charset="-122"/>
-                <a:ea typeface="微软雅黑" panose="020B0503020204020204" charset="-122"/>
-                <a:cs typeface="微软雅黑" panose="020B0503020204020204" charset="-122"/>
-                <a:sym typeface="+mn-ea"/>
-              </a:rPr>
-              <a:t>拉取远程自动合并</a:t>
-            </a:r>
-            <a:endParaRPr lang="en-US" altLang="zh-CN" dirty="0" smtClean="0">
-              <a:solidFill>
-                <a:srgbClr val="404040"/>
-              </a:solidFill>
-              <a:latin typeface="微软雅黑" panose="020B0503020204020204" charset="-122"/>
-              <a:ea typeface="微软雅黑" panose="020B0503020204020204" charset="-122"/>
-              <a:cs typeface="微软雅黑" panose="020B0503020204020204" charset="-122"/>
-            </a:endParaRPr>
-          </a:p>
-          <a:p>
-            <a:pPr marL="742950" lvl="2" indent="-342900" eaLnBrk="1" hangingPunct="1"/>
-            <a:endParaRPr lang="en-US" altLang="zh-CN" dirty="0" smtClean="0">
-              <a:solidFill>
-                <a:srgbClr val="404040"/>
-              </a:solidFill>
-              <a:latin typeface="微软雅黑" panose="020B0503020204020204" charset="-122"/>
-              <a:ea typeface="微软雅黑" panose="020B0503020204020204" charset="-122"/>
-              <a:cs typeface="微软雅黑" panose="020B0503020204020204" charset="-122"/>
-            </a:endParaRPr>
-          </a:p>
-          <a:p>
-            <a:pPr marL="1200150" lvl="3" indent="-342900" eaLnBrk="1" hangingPunct="1"/>
             <a:endParaRPr lang="en-US" altLang="zh-CN" dirty="0" smtClean="0">
               <a:solidFill>
                 <a:srgbClr val="404040"/>
@@ -4998,7 +4780,7 @@
         </p:nvSpPr>
         <p:spPr>
           <a:xfrm>
-            <a:off x="1932940" y="775335"/>
+            <a:off x="1900555" y="320675"/>
             <a:ext cx="8229600" cy="4525963"/>
           </a:xfrm>
         </p:spPr>
@@ -5006,12 +4788,12 @@
           <a:bodyPr/>
           <a:lstStyle/>
           <a:p>
-            <a:pPr marL="342900" lvl="1" indent="-342900" eaLnBrk="1" hangingPunct="1">
+            <a:pPr marL="0" lvl="1" indent="0" eaLnBrk="1" hangingPunct="1">
               <a:buClr>
                 <a:srgbClr val="F50A64"/>
               </a:buClr>
               <a:buFont typeface="Wingdings" panose="05000000000000000000" pitchFamily="2" charset="2"/>
-              <a:buChar char="l"/>
+              <a:buNone/>
             </a:pPr>
             <a:r>
               <a:rPr lang="zh-CN" altLang="en-US" dirty="0" smtClean="0">
@@ -5021,9 +4803,32 @@
                 <a:latin typeface="微软雅黑" panose="020B0503020204020204" charset="-122"/>
                 <a:ea typeface="微软雅黑" panose="020B0503020204020204" charset="-122"/>
                 <a:cs typeface="微软雅黑" panose="020B0503020204020204" charset="-122"/>
-              </a:rPr>
-              <a:t>开源项目协作</a:t>
-            </a:r>
+                <a:sym typeface="+mn-ea"/>
+              </a:rPr>
+              <a:t>二 把origin改为ssh地址后, 用Git push -u origin master出现错误:</a:t>
+            </a:r>
+            <a:endParaRPr lang="zh-CN" altLang="en-US" dirty="0" smtClean="0">
+              <a:solidFill>
+                <a:srgbClr val="404040"/>
+              </a:solidFill>
+              <a:latin typeface="微软雅黑" panose="020B0503020204020204" charset="-122"/>
+              <a:ea typeface="微软雅黑" panose="020B0503020204020204" charset="-122"/>
+              <a:cs typeface="微软雅黑" panose="020B0503020204020204" charset="-122"/>
+            </a:endParaRPr>
+          </a:p>
+          <a:p>
+            <a:pPr marL="742950" lvl="2" indent="-342900" eaLnBrk="1" hangingPunct="1"/>
+            <a:endParaRPr lang="zh-CN" altLang="en-US" dirty="0" smtClean="0">
+              <a:solidFill>
+                <a:srgbClr val="404040"/>
+              </a:solidFill>
+              <a:latin typeface="微软雅黑" panose="020B0503020204020204" charset="-122"/>
+              <a:ea typeface="微软雅黑" panose="020B0503020204020204" charset="-122"/>
+              <a:cs typeface="微软雅黑" panose="020B0503020204020204" charset="-122"/>
+            </a:endParaRPr>
+          </a:p>
+          <a:p>
+            <a:pPr marL="742950" lvl="2" indent="-342900" eaLnBrk="1" hangingPunct="1"/>
             <a:endParaRPr lang="en-US" altLang="zh-CN" dirty="0" smtClean="0">
               <a:solidFill>
                 <a:srgbClr val="404040"/>
@@ -5035,62 +4840,7 @@
           </a:p>
           <a:p>
             <a:pPr marL="742950" lvl="2" indent="-342900" eaLnBrk="1" hangingPunct="1"/>
-            <a:r>
-              <a:rPr lang="en-US" altLang="zh-CN" dirty="0" smtClean="0">
-                <a:solidFill>
-                  <a:srgbClr val="404040"/>
-                </a:solidFill>
-                <a:latin typeface="微软雅黑" panose="020B0503020204020204" charset="-122"/>
-                <a:ea typeface="微软雅黑" panose="020B0503020204020204" charset="-122"/>
-                <a:cs typeface="微软雅黑" panose="020B0503020204020204" charset="-122"/>
-              </a:rPr>
-              <a:t>fork	</a:t>
-            </a:r>
-            <a:r>
-              <a:rPr lang="zh-CN" altLang="en-US" dirty="0" smtClean="0">
-                <a:solidFill>
-                  <a:srgbClr val="404040"/>
-                </a:solidFill>
-                <a:latin typeface="微软雅黑" panose="020B0503020204020204" charset="-122"/>
-                <a:ea typeface="微软雅黑" panose="020B0503020204020204" charset="-122"/>
-                <a:cs typeface="微软雅黑" panose="020B0503020204020204" charset="-122"/>
-              </a:rPr>
-              <a:t>镜像一个项目</a:t>
-            </a:r>
-            <a:endParaRPr lang="zh-CN" altLang="en-US" dirty="0" smtClean="0">
-              <a:solidFill>
-                <a:srgbClr val="404040"/>
-              </a:solidFill>
-              <a:latin typeface="微软雅黑" panose="020B0503020204020204" charset="-122"/>
-              <a:ea typeface="微软雅黑" panose="020B0503020204020204" charset="-122"/>
-              <a:cs typeface="微软雅黑" panose="020B0503020204020204" charset="-122"/>
-            </a:endParaRPr>
-          </a:p>
-          <a:p>
-            <a:pPr marL="742950" lvl="2" indent="-342900" eaLnBrk="1" hangingPunct="1"/>
-            <a:r>
-              <a:rPr lang="en-US" altLang="zh-CN" dirty="0" smtClean="0">
-                <a:solidFill>
-                  <a:srgbClr val="404040"/>
-                </a:solidFill>
-                <a:latin typeface="微软雅黑" panose="020B0503020204020204" charset="-122"/>
-                <a:ea typeface="微软雅黑" panose="020B0503020204020204" charset="-122"/>
-                <a:cs typeface="微软雅黑" panose="020B0503020204020204" charset="-122"/>
-              </a:rPr>
-              <a:t>pull request </a:t>
-            </a:r>
-            <a:r>
-              <a:rPr lang="zh-CN" altLang="en-US" dirty="0" smtClean="0">
-                <a:solidFill>
-                  <a:srgbClr val="404040"/>
-                </a:solidFill>
-                <a:latin typeface="微软雅黑" panose="020B0503020204020204" charset="-122"/>
-                <a:ea typeface="微软雅黑" panose="020B0503020204020204" charset="-122"/>
-                <a:cs typeface="微软雅黑" panose="020B0503020204020204" charset="-122"/>
-              </a:rPr>
-              <a:t>合并请求</a:t>
-            </a:r>
-            <a:endParaRPr lang="zh-CN" altLang="en-US" dirty="0" smtClean="0">
+            <a:endParaRPr lang="en-US" altLang="zh-CN" dirty="0" smtClean="0">
               <a:solidFill>
                 <a:srgbClr val="404040"/>
               </a:solidFill>
@@ -5112,6 +4862,314 @@
           </a:p>
         </p:txBody>
       </p:sp>
+      <p:pic>
+        <p:nvPicPr>
+          <p:cNvPr id="2" name="图片 1"/>
+          <p:cNvPicPr>
+            <a:picLocks noChangeAspect="1"/>
+          </p:cNvPicPr>
+          <p:nvPr/>
+        </p:nvPicPr>
+        <p:blipFill>
+          <a:blip r:embed="rId1"/>
+          <a:stretch>
+            <a:fillRect/>
+          </a:stretch>
+        </p:blipFill>
+        <p:spPr>
+          <a:xfrm>
+            <a:off x="2992120" y="941705"/>
+            <a:ext cx="4961890" cy="1390650"/>
+          </a:xfrm>
+          <a:prstGeom prst="rect">
+            <a:avLst/>
+          </a:prstGeom>
+        </p:spPr>
+      </p:pic>
+      <p:sp>
+        <p:nvSpPr>
+          <p:cNvPr id="3" name="文本框 2"/>
+          <p:cNvSpPr txBox="1"/>
+          <p:nvPr/>
+        </p:nvSpPr>
+        <p:spPr>
+          <a:xfrm>
+            <a:off x="1900555" y="2946400"/>
+            <a:ext cx="7909560" cy="3404870"/>
+          </a:xfrm>
+          <a:prstGeom prst="rect">
+            <a:avLst/>
+          </a:prstGeom>
+          <a:noFill/>
+        </p:spPr>
+        <p:txBody>
+          <a:bodyPr wrap="square" rtlCol="0">
+            <a:spAutoFit/>
+          </a:bodyPr>
+          <a:p>
+            <a:r>
+              <a:rPr lang="zh-CN" altLang="en-US" sz="2000">
+                <a:latin typeface="微软雅黑" panose="020B0503020204020204" charset="-122"/>
+                <a:ea typeface="微软雅黑" panose="020B0503020204020204" charset="-122"/>
+              </a:rPr>
+              <a:t>解决方法如下:</a:t>
+            </a:r>
+            <a:endParaRPr lang="zh-CN" altLang="en-US" sz="2000">
+              <a:latin typeface="微软雅黑" panose="020B0503020204020204" charset="-122"/>
+              <a:ea typeface="微软雅黑" panose="020B0503020204020204" charset="-122"/>
+            </a:endParaRPr>
+          </a:p>
+          <a:p>
+            <a:endParaRPr lang="zh-CN" altLang="en-US"/>
+          </a:p>
+          <a:p>
+            <a:r>
+              <a:rPr lang="zh-CN" altLang="en-US"/>
+              <a:t>用下面的命令生成public key</a:t>
+            </a:r>
+            <a:endParaRPr lang="zh-CN" altLang="en-US"/>
+          </a:p>
+          <a:p>
+            <a:r>
+              <a:rPr lang="zh-CN" altLang="en-US" sz="2000">
+                <a:solidFill>
+                  <a:srgbClr val="0090E2"/>
+                </a:solidFill>
+                <a:effectLst/>
+              </a:rPr>
+              <a:t>$ ssh-keygen -t rsa</a:t>
+            </a:r>
+            <a:endParaRPr lang="zh-CN" altLang="en-US" sz="2000">
+              <a:solidFill>
+                <a:srgbClr val="0090E2"/>
+              </a:solidFill>
+              <a:effectLst/>
+            </a:endParaRPr>
+          </a:p>
+          <a:p>
+            <a:endParaRPr lang="zh-CN" altLang="en-US" sz="2000">
+              <a:solidFill>
+                <a:schemeClr val="tx1"/>
+              </a:solidFill>
+              <a:effectLst/>
+            </a:endParaRPr>
+          </a:p>
+          <a:p>
+            <a:r>
+              <a:rPr lang="zh-CN" altLang="en-US" sz="2000">
+                <a:solidFill>
+                  <a:schemeClr val="tx1"/>
+                </a:solidFill>
+                <a:effectLst/>
+              </a:rPr>
+              <a:t>生成的路径在</a:t>
+            </a:r>
+            <a:endParaRPr lang="zh-CN" altLang="en-US" sz="2000">
+              <a:solidFill>
+                <a:schemeClr val="tx1"/>
+              </a:solidFill>
+              <a:effectLst/>
+            </a:endParaRPr>
+          </a:p>
+          <a:p>
+            <a:endParaRPr lang="zh-CN" altLang="en-US" sz="2000">
+              <a:solidFill>
+                <a:srgbClr val="0090E2"/>
+              </a:solidFill>
+              <a:effectLst/>
+            </a:endParaRPr>
+          </a:p>
+          <a:p>
+            <a:r>
+              <a:rPr lang="zh-CN" altLang="en-US" sz="2000">
+                <a:solidFill>
+                  <a:schemeClr val="tx1"/>
+                </a:solidFill>
+                <a:effectLst/>
+              </a:rPr>
+              <a:t>复制 public key (id_rsa.pub) 到你账户的 list of SSH keys, 再重新push</a:t>
+            </a:r>
+            <a:endParaRPr lang="zh-CN" altLang="en-US" sz="2000">
+              <a:solidFill>
+                <a:schemeClr val="tx1"/>
+              </a:solidFill>
+              <a:effectLst/>
+            </a:endParaRPr>
+          </a:p>
+          <a:p>
+            <a:r>
+              <a:rPr lang="zh-CN" altLang="en-US" sz="2000">
+                <a:solidFill>
+                  <a:schemeClr val="tx1"/>
+                </a:solidFill>
+                <a:effectLst/>
+              </a:rPr>
+              <a:t>获取</a:t>
+            </a:r>
+            <a:r>
+              <a:rPr lang="en-US" altLang="zh-CN" sz="2000">
+                <a:solidFill>
+                  <a:schemeClr val="tx1"/>
+                </a:solidFill>
+                <a:effectLst/>
+              </a:rPr>
+              <a:t>SSH</a:t>
+            </a:r>
+            <a:r>
+              <a:rPr lang="zh-CN" altLang="en-US" sz="2000">
+                <a:solidFill>
+                  <a:schemeClr val="tx1"/>
+                </a:solidFill>
+                <a:effectLst/>
+              </a:rPr>
+              <a:t>路径：</a:t>
+            </a:r>
+            <a:r>
+              <a:rPr lang="en-US" altLang="zh-CN" sz="2000">
+                <a:solidFill>
+                  <a:srgbClr val="0090E2"/>
+                </a:solidFill>
+                <a:effectLst/>
+              </a:rPr>
+              <a:t>C/Users/Administrator/.ssH/id_rsa.pub</a:t>
+            </a:r>
+            <a:endParaRPr lang="en-US" altLang="zh-CN" sz="2000">
+              <a:solidFill>
+                <a:srgbClr val="0090E2"/>
+              </a:solidFill>
+              <a:effectLst/>
+            </a:endParaRPr>
+          </a:p>
+          <a:p>
+            <a:r>
+              <a:rPr lang="zh-CN" altLang="en-US" sz="2000">
+                <a:solidFill>
+                  <a:schemeClr val="tx1"/>
+                </a:solidFill>
+                <a:effectLst/>
+              </a:rPr>
+              <a:t>设置</a:t>
+            </a:r>
+            <a:r>
+              <a:rPr lang="zh-CN" altLang="en-US" sz="2000">
+                <a:effectLst/>
+                <a:sym typeface="+mn-ea"/>
+              </a:rPr>
+              <a:t>SSH keys路径</a:t>
+            </a:r>
+            <a:endParaRPr lang="zh-CN" altLang="en-US" sz="2000">
+              <a:solidFill>
+                <a:schemeClr val="tx1"/>
+              </a:solidFill>
+              <a:effectLst/>
+            </a:endParaRPr>
+          </a:p>
+          <a:p>
+            <a:r>
+              <a:rPr lang="zh-CN" altLang="en-US" sz="2000">
+                <a:solidFill>
+                  <a:schemeClr val="tx1"/>
+                </a:solidFill>
+                <a:effectLst/>
+              </a:rPr>
+              <a:t>：登录</a:t>
+            </a:r>
+            <a:r>
+              <a:rPr lang="en-US" altLang="zh-CN" sz="2000">
+                <a:solidFill>
+                  <a:srgbClr val="0090E2"/>
+                </a:solidFill>
+                <a:effectLst/>
+              </a:rPr>
+              <a:t>github </a:t>
+            </a:r>
+            <a:r>
+              <a:rPr lang="zh-CN" altLang="en-US" sz="2000">
+                <a:solidFill>
+                  <a:schemeClr val="tx1"/>
+                </a:solidFill>
+                <a:effectLst/>
+              </a:rPr>
+              <a:t>》</a:t>
+            </a:r>
+            <a:r>
+              <a:rPr lang="en-US" altLang="zh-CN" sz="2000">
+                <a:solidFill>
+                  <a:srgbClr val="0090E2"/>
+                </a:solidFill>
+                <a:effectLst/>
+              </a:rPr>
+              <a:t>Settings </a:t>
+            </a:r>
+            <a:r>
+              <a:rPr lang="zh-CN" altLang="en-US" sz="2000">
+                <a:solidFill>
+                  <a:schemeClr val="tx1"/>
+                </a:solidFill>
+                <a:effectLst/>
+              </a:rPr>
+              <a:t>》</a:t>
+            </a:r>
+            <a:r>
+              <a:rPr lang="en-US" altLang="zh-CN" sz="2000">
+                <a:solidFill>
+                  <a:srgbClr val="0090E2"/>
+                </a:solidFill>
+                <a:effectLst/>
+              </a:rPr>
+              <a:t>SSH and GPS keys </a:t>
+            </a:r>
+            <a:r>
+              <a:rPr lang="zh-CN" altLang="en-US" sz="2000">
+                <a:solidFill>
+                  <a:schemeClr val="tx1"/>
+                </a:solidFill>
+                <a:effectLst/>
+              </a:rPr>
+              <a:t>》</a:t>
+            </a:r>
+            <a:r>
+              <a:rPr lang="en-US" altLang="zh-CN" sz="2000">
+                <a:solidFill>
+                  <a:srgbClr val="0090E2"/>
+                </a:solidFill>
+                <a:effectLst/>
+              </a:rPr>
+              <a:t>New SSH key</a:t>
+            </a:r>
+            <a:endParaRPr lang="en-US" altLang="zh-CN" sz="2000">
+              <a:solidFill>
+                <a:srgbClr val="0090E2"/>
+              </a:solidFill>
+              <a:effectLst/>
+            </a:endParaRPr>
+          </a:p>
+        </p:txBody>
+      </p:sp>
+      <p:pic>
+        <p:nvPicPr>
+          <p:cNvPr id="4" name="图片 3"/>
+          <p:cNvPicPr>
+            <a:picLocks noChangeAspect="1"/>
+          </p:cNvPicPr>
+          <p:nvPr/>
+        </p:nvPicPr>
+        <p:blipFill>
+          <a:blip r:embed="rId2"/>
+          <a:stretch>
+            <a:fillRect/>
+          </a:stretch>
+        </p:blipFill>
+        <p:spPr>
+          <a:xfrm>
+            <a:off x="3858895" y="4357370"/>
+            <a:ext cx="3228340" cy="390525"/>
+          </a:xfrm>
+          <a:prstGeom prst="rect">
+            <a:avLst/>
+          </a:prstGeom>
+        </p:spPr>
+      </p:pic>
     </p:spTree>
   </p:cSld>
   <p:clrMapOvr>
@@ -5159,7 +5217,7 @@
         </p:nvSpPr>
         <p:spPr>
           <a:xfrm>
-            <a:off x="1981200" y="1711325"/>
+            <a:off x="1856105" y="920750"/>
             <a:ext cx="8229600" cy="4525963"/>
           </a:xfrm>
         </p:spPr>
@@ -5174,6 +5232,39 @@
               <a:buFont typeface="Wingdings" panose="05000000000000000000" pitchFamily="2" charset="2"/>
               <a:buChar char="l"/>
             </a:pPr>
+            <a:endParaRPr lang="zh-CN" altLang="en-US" dirty="0" smtClean="0">
+              <a:solidFill>
+                <a:srgbClr val="404040"/>
+              </a:solidFill>
+              <a:latin typeface="微软雅黑" panose="020B0503020204020204" charset="-122"/>
+              <a:ea typeface="微软雅黑" panose="020B0503020204020204" charset="-122"/>
+              <a:cs typeface="微软雅黑" panose="020B0503020204020204" charset="-122"/>
+            </a:endParaRPr>
+          </a:p>
+          <a:p>
+            <a:pPr marL="742950" lvl="2" indent="-342900" eaLnBrk="1" hangingPunct="1"/>
+            <a:r>
+              <a:rPr lang="zh-CN" altLang="en-US" dirty="0" smtClean="0">
+                <a:solidFill>
+                  <a:srgbClr val="404040"/>
+                </a:solidFill>
+                <a:latin typeface="微软雅黑" panose="020B0503020204020204" charset="-122"/>
+                <a:ea typeface="微软雅黑" panose="020B0503020204020204" charset="-122"/>
+                <a:cs typeface="微软雅黑" panose="020B0503020204020204" charset="-122"/>
+              </a:rPr>
+              <a:t>多人协作解决冲突 </a:t>
+            </a:r>
+            <a:endParaRPr lang="en-US" altLang="zh-CN" dirty="0" smtClean="0">
+              <a:solidFill>
+                <a:srgbClr val="404040"/>
+              </a:solidFill>
+              <a:latin typeface="微软雅黑" panose="020B0503020204020204" charset="-122"/>
+              <a:ea typeface="微软雅黑" panose="020B0503020204020204" charset="-122"/>
+              <a:cs typeface="微软雅黑" panose="020B0503020204020204" charset="-122"/>
+            </a:endParaRPr>
+          </a:p>
+          <a:p>
+            <a:pPr marL="1200150" lvl="3" indent="-342900" eaLnBrk="1" hangingPunct="1"/>
             <a:r>
               <a:rPr lang="en-US" altLang="zh-CN" dirty="0" err="1" smtClean="0">
                 <a:solidFill>
@@ -5183,18 +5274,140 @@
                 <a:ea typeface="微软雅黑" panose="020B0503020204020204" charset="-122"/>
                 <a:cs typeface="微软雅黑" panose="020B0503020204020204" charset="-122"/>
               </a:rPr>
+              <a:t>git</a:t>
+            </a:r>
+            <a:r>
+              <a:rPr lang="en-US" altLang="zh-CN" dirty="0" smtClean="0">
+                <a:solidFill>
+                  <a:srgbClr val="404040"/>
+                </a:solidFill>
+                <a:latin typeface="微软雅黑" panose="020B0503020204020204" charset="-122"/>
+                <a:ea typeface="微软雅黑" panose="020B0503020204020204" charset="-122"/>
+                <a:cs typeface="微软雅黑" panose="020B0503020204020204" charset="-122"/>
+              </a:rPr>
+              <a:t> fetch </a:t>
+            </a:r>
+            <a:r>
+              <a:rPr lang="zh-CN" altLang="en-US" dirty="0" smtClean="0">
+                <a:solidFill>
+                  <a:srgbClr val="404040"/>
+                </a:solidFill>
+                <a:latin typeface="微软雅黑" panose="020B0503020204020204" charset="-122"/>
+                <a:ea typeface="微软雅黑" panose="020B0503020204020204" charset="-122"/>
+                <a:cs typeface="微软雅黑" panose="020B0503020204020204" charset="-122"/>
+              </a:rPr>
+              <a:t>拉取远程不合并（）</a:t>
+            </a:r>
+            <a:endParaRPr lang="en-US" altLang="zh-CN" dirty="0" smtClean="0">
+              <a:solidFill>
+                <a:srgbClr val="404040"/>
+              </a:solidFill>
+              <a:latin typeface="微软雅黑" panose="020B0503020204020204" charset="-122"/>
+              <a:ea typeface="微软雅黑" panose="020B0503020204020204" charset="-122"/>
+              <a:cs typeface="微软雅黑" panose="020B0503020204020204" charset="-122"/>
+            </a:endParaRPr>
+          </a:p>
+          <a:p>
+            <a:pPr marL="1657350" lvl="4" indent="-342900" eaLnBrk="1" hangingPunct="1"/>
+            <a:r>
+              <a:rPr lang="en-US" altLang="zh-CN" dirty="0" err="1" smtClean="0">
+                <a:solidFill>
+                  <a:srgbClr val="404040"/>
+                </a:solidFill>
+                <a:latin typeface="微软雅黑" panose="020B0503020204020204" charset="-122"/>
+                <a:ea typeface="微软雅黑" panose="020B0503020204020204" charset="-122"/>
+                <a:cs typeface="微软雅黑" panose="020B0503020204020204" charset="-122"/>
+              </a:rPr>
               <a:t>Git</a:t>
             </a:r>
             <a:r>
-              <a:rPr lang="zh-CN" altLang="en-US" dirty="0" smtClean="0">
-                <a:solidFill>
-                  <a:srgbClr val="404040"/>
-                </a:solidFill>
-                <a:latin typeface="微软雅黑" panose="020B0503020204020204" charset="-122"/>
-                <a:ea typeface="微软雅黑" panose="020B0503020204020204" charset="-122"/>
-                <a:cs typeface="微软雅黑" panose="020B0503020204020204" charset="-122"/>
-              </a:rPr>
-              <a:t>分支</a:t>
+              <a:rPr lang="en-US" altLang="zh-CN" dirty="0" smtClean="0">
+                <a:solidFill>
+                  <a:srgbClr val="404040"/>
+                </a:solidFill>
+                <a:latin typeface="微软雅黑" panose="020B0503020204020204" charset="-122"/>
+                <a:ea typeface="微软雅黑" panose="020B0503020204020204" charset="-122"/>
+                <a:cs typeface="微软雅黑" panose="020B0503020204020204" charset="-122"/>
+              </a:rPr>
+              <a:t> diff master origin/master  </a:t>
+            </a:r>
+            <a:r>
+              <a:rPr lang="zh-CN" altLang="en-US" dirty="0" smtClean="0">
+                <a:solidFill>
+                  <a:srgbClr val="404040"/>
+                </a:solidFill>
+                <a:latin typeface="微软雅黑" panose="020B0503020204020204" charset="-122"/>
+                <a:ea typeface="微软雅黑" panose="020B0503020204020204" charset="-122"/>
+                <a:cs typeface="微软雅黑" panose="020B0503020204020204" charset="-122"/>
+              </a:rPr>
+              <a:t>查看不同</a:t>
+            </a:r>
+            <a:endParaRPr lang="zh-CN" altLang="en-US" dirty="0" smtClean="0">
+              <a:solidFill>
+                <a:srgbClr val="404040"/>
+              </a:solidFill>
+              <a:latin typeface="微软雅黑" panose="020B0503020204020204" charset="-122"/>
+              <a:ea typeface="微软雅黑" panose="020B0503020204020204" charset="-122"/>
+              <a:cs typeface="微软雅黑" panose="020B0503020204020204" charset="-122"/>
+            </a:endParaRPr>
+          </a:p>
+          <a:p>
+            <a:pPr marL="1657350" lvl="4" indent="-342900" eaLnBrk="1" hangingPunct="1"/>
+            <a:r>
+              <a:rPr lang="en-US" altLang="zh-CN" dirty="0" err="1" smtClean="0">
+                <a:solidFill>
+                  <a:srgbClr val="404040"/>
+                </a:solidFill>
+                <a:latin typeface="微软雅黑" panose="020B0503020204020204" charset="-122"/>
+                <a:ea typeface="微软雅黑" panose="020B0503020204020204" charset="-122"/>
+                <a:cs typeface="微软雅黑" panose="020B0503020204020204" charset="-122"/>
+              </a:rPr>
+              <a:t>Git</a:t>
+            </a:r>
+            <a:r>
+              <a:rPr lang="en-US" altLang="zh-CN" dirty="0" smtClean="0">
+                <a:solidFill>
+                  <a:srgbClr val="404040"/>
+                </a:solidFill>
+                <a:latin typeface="微软雅黑" panose="020B0503020204020204" charset="-122"/>
+                <a:ea typeface="微软雅黑" panose="020B0503020204020204" charset="-122"/>
+                <a:cs typeface="微软雅黑" panose="020B0503020204020204" charset="-122"/>
+              </a:rPr>
+              <a:t> merge  </a:t>
+            </a:r>
+            <a:r>
+              <a:rPr lang="en-US" altLang="zh-CN" dirty="0" err="1" smtClean="0">
+                <a:solidFill>
+                  <a:srgbClr val="404040"/>
+                </a:solidFill>
+                <a:latin typeface="微软雅黑" panose="020B0503020204020204" charset="-122"/>
+                <a:ea typeface="微软雅黑" panose="020B0503020204020204" charset="-122"/>
+                <a:cs typeface="微软雅黑" panose="020B0503020204020204" charset="-122"/>
+              </a:rPr>
+              <a:t>orgin</a:t>
+            </a:r>
+            <a:r>
+              <a:rPr lang="en-US" altLang="zh-CN" dirty="0" smtClean="0">
+                <a:solidFill>
+                  <a:srgbClr val="404040"/>
+                </a:solidFill>
+                <a:latin typeface="微软雅黑" panose="020B0503020204020204" charset="-122"/>
+                <a:ea typeface="微软雅黑" panose="020B0503020204020204" charset="-122"/>
+                <a:cs typeface="微软雅黑" panose="020B0503020204020204" charset="-122"/>
+              </a:rPr>
+              <a:t>/master         </a:t>
+            </a:r>
+            <a:r>
+              <a:rPr lang="zh-CN" altLang="en-US" dirty="0" smtClean="0">
+                <a:solidFill>
+                  <a:srgbClr val="404040"/>
+                </a:solidFill>
+                <a:latin typeface="微软雅黑" panose="020B0503020204020204" charset="-122"/>
+                <a:ea typeface="微软雅黑" panose="020B0503020204020204" charset="-122"/>
+                <a:cs typeface="微软雅黑" panose="020B0503020204020204" charset="-122"/>
+                <a:sym typeface="+mn-ea"/>
+              </a:rPr>
+              <a:t>确定合并</a:t>
             </a:r>
             <a:endParaRPr lang="en-US" altLang="zh-CN" dirty="0" smtClean="0">
               <a:solidFill>
@@ -5206,476 +5419,53 @@
             </a:endParaRPr>
           </a:p>
           <a:p>
+            <a:pPr marL="1200150" lvl="3" indent="-342900" eaLnBrk="1" hangingPunct="1"/>
+            <a:r>
+              <a:rPr lang="en-US" altLang="zh-CN" dirty="0" err="1" smtClean="0">
+                <a:solidFill>
+                  <a:srgbClr val="404040"/>
+                </a:solidFill>
+                <a:latin typeface="微软雅黑" panose="020B0503020204020204" charset="-122"/>
+                <a:ea typeface="微软雅黑" panose="020B0503020204020204" charset="-122"/>
+                <a:cs typeface="微软雅黑" panose="020B0503020204020204" charset="-122"/>
+              </a:rPr>
+              <a:t>git</a:t>
+            </a:r>
+            <a:r>
+              <a:rPr lang="en-US" altLang="zh-CN" dirty="0" smtClean="0">
+                <a:solidFill>
+                  <a:srgbClr val="404040"/>
+                </a:solidFill>
+                <a:latin typeface="微软雅黑" panose="020B0503020204020204" charset="-122"/>
+                <a:ea typeface="微软雅黑" panose="020B0503020204020204" charset="-122"/>
+                <a:cs typeface="微软雅黑" panose="020B0503020204020204" charset="-122"/>
+              </a:rPr>
+              <a:t> pull </a:t>
+            </a:r>
+            <a:r>
+              <a:rPr lang="zh-CN" altLang="en-US" dirty="0" smtClean="0">
+                <a:solidFill>
+                  <a:srgbClr val="404040"/>
+                </a:solidFill>
+                <a:latin typeface="微软雅黑" panose="020B0503020204020204" charset="-122"/>
+                <a:ea typeface="微软雅黑" panose="020B0503020204020204" charset="-122"/>
+                <a:cs typeface="微软雅黑" panose="020B0503020204020204" charset="-122"/>
+                <a:sym typeface="+mn-ea"/>
+              </a:rPr>
+              <a:t>拉取远程自动合并</a:t>
+            </a:r>
+            <a:endParaRPr lang="en-US" altLang="zh-CN" dirty="0" smtClean="0">
+              <a:solidFill>
+                <a:srgbClr val="404040"/>
+              </a:solidFill>
+              <a:latin typeface="微软雅黑" panose="020B0503020204020204" charset="-122"/>
+              <a:ea typeface="微软雅黑" panose="020B0503020204020204" charset="-122"/>
+              <a:cs typeface="微软雅黑" panose="020B0503020204020204" charset="-122"/>
+            </a:endParaRPr>
+          </a:p>
+          <a:p>
             <a:pPr marL="742950" lvl="2" indent="-342900" eaLnBrk="1" hangingPunct="1"/>
-            <a:r>
-              <a:rPr lang="en-US" altLang="zh-CN" dirty="0" err="1" smtClean="0">
-                <a:solidFill>
-                  <a:srgbClr val="404040"/>
-                </a:solidFill>
-                <a:latin typeface="微软雅黑" panose="020B0503020204020204" charset="-122"/>
-                <a:ea typeface="微软雅黑" panose="020B0503020204020204" charset="-122"/>
-                <a:cs typeface="微软雅黑" panose="020B0503020204020204" charset="-122"/>
-              </a:rPr>
-              <a:t>git</a:t>
-            </a:r>
-            <a:r>
-              <a:rPr lang="en-US" altLang="zh-CN" dirty="0" smtClean="0">
-                <a:solidFill>
-                  <a:srgbClr val="404040"/>
-                </a:solidFill>
-                <a:latin typeface="微软雅黑" panose="020B0503020204020204" charset="-122"/>
-                <a:ea typeface="微软雅黑" panose="020B0503020204020204" charset="-122"/>
-                <a:cs typeface="微软雅黑" panose="020B0503020204020204" charset="-122"/>
-              </a:rPr>
-              <a:t> branch  </a:t>
-            </a:r>
-            <a:r>
-              <a:rPr lang="zh-CN" altLang="en-US" dirty="0" smtClean="0">
-                <a:solidFill>
-                  <a:srgbClr val="404040"/>
-                </a:solidFill>
-                <a:latin typeface="微软雅黑" panose="020B0503020204020204" charset="-122"/>
-                <a:ea typeface="微软雅黑" panose="020B0503020204020204" charset="-122"/>
-                <a:cs typeface="微软雅黑" panose="020B0503020204020204" charset="-122"/>
-              </a:rPr>
-              <a:t>查看分支</a:t>
-            </a:r>
-            <a:endParaRPr lang="zh-CN" altLang="en-US" dirty="0" smtClean="0">
-              <a:solidFill>
-                <a:srgbClr val="404040"/>
-              </a:solidFill>
-              <a:latin typeface="微软雅黑" panose="020B0503020204020204" charset="-122"/>
-              <a:ea typeface="微软雅黑" panose="020B0503020204020204" charset="-122"/>
-              <a:cs typeface="微软雅黑" panose="020B0503020204020204" charset="-122"/>
-            </a:endParaRPr>
-          </a:p>
-          <a:p>
-            <a:pPr marL="742950" lvl="2" indent="-342900" eaLnBrk="1" hangingPunct="1"/>
-            <a:r>
-              <a:rPr lang="en-US" altLang="zh-CN" dirty="0" err="1" smtClean="0">
-                <a:solidFill>
-                  <a:srgbClr val="404040"/>
-                </a:solidFill>
-                <a:latin typeface="微软雅黑" panose="020B0503020204020204" charset="-122"/>
-                <a:ea typeface="微软雅黑" panose="020B0503020204020204" charset="-122"/>
-                <a:cs typeface="微软雅黑" panose="020B0503020204020204" charset="-122"/>
-                <a:sym typeface="+mn-ea"/>
-              </a:rPr>
-              <a:t>git</a:t>
-            </a:r>
-            <a:r>
-              <a:rPr lang="en-US" altLang="zh-CN" dirty="0" smtClean="0">
-                <a:solidFill>
-                  <a:srgbClr val="404040"/>
-                </a:solidFill>
-                <a:latin typeface="微软雅黑" panose="020B0503020204020204" charset="-122"/>
-                <a:ea typeface="微软雅黑" panose="020B0503020204020204" charset="-122"/>
-                <a:cs typeface="微软雅黑" panose="020B0503020204020204" charset="-122"/>
-                <a:sym typeface="+mn-ea"/>
-              </a:rPr>
-              <a:t> branch</a:t>
-            </a:r>
-            <a:r>
-              <a:rPr lang="zh-CN" altLang="en-US" dirty="0" smtClean="0">
-                <a:solidFill>
-                  <a:srgbClr val="404040"/>
-                </a:solidFill>
-                <a:latin typeface="微软雅黑" panose="020B0503020204020204" charset="-122"/>
-                <a:ea typeface="微软雅黑" panose="020B0503020204020204" charset="-122"/>
-                <a:cs typeface="微软雅黑" panose="020B0503020204020204" charset="-122"/>
-              </a:rPr>
-              <a:t>   </a:t>
-            </a:r>
-            <a:r>
-              <a:rPr lang="en-US" altLang="zh-CN" dirty="0" smtClean="0">
-                <a:solidFill>
-                  <a:srgbClr val="404040"/>
-                </a:solidFill>
-                <a:latin typeface="微软雅黑" panose="020B0503020204020204" charset="-122"/>
-                <a:ea typeface="微软雅黑" panose="020B0503020204020204" charset="-122"/>
-                <a:cs typeface="微软雅黑" panose="020B0503020204020204" charset="-122"/>
-              </a:rPr>
-              <a:t>XX	</a:t>
-            </a:r>
-            <a:r>
-              <a:rPr lang="zh-CN" altLang="en-US" dirty="0" smtClean="0">
-                <a:solidFill>
-                  <a:srgbClr val="404040"/>
-                </a:solidFill>
-                <a:latin typeface="微软雅黑" panose="020B0503020204020204" charset="-122"/>
-                <a:ea typeface="微软雅黑" panose="020B0503020204020204" charset="-122"/>
-                <a:cs typeface="微软雅黑" panose="020B0503020204020204" charset="-122"/>
-              </a:rPr>
-              <a:t>创建</a:t>
-            </a:r>
-            <a:r>
-              <a:rPr lang="en-US" altLang="zh-CN" dirty="0" smtClean="0">
-                <a:solidFill>
-                  <a:srgbClr val="404040"/>
-                </a:solidFill>
-                <a:latin typeface="微软雅黑" panose="020B0503020204020204" charset="-122"/>
-                <a:ea typeface="微软雅黑" panose="020B0503020204020204" charset="-122"/>
-                <a:cs typeface="微软雅黑" panose="020B0503020204020204" charset="-122"/>
-              </a:rPr>
-              <a:t>XX</a:t>
-            </a:r>
-            <a:r>
-              <a:rPr lang="zh-CN" altLang="en-US" dirty="0" smtClean="0">
-                <a:solidFill>
-                  <a:srgbClr val="404040"/>
-                </a:solidFill>
-                <a:latin typeface="微软雅黑" panose="020B0503020204020204" charset="-122"/>
-                <a:ea typeface="微软雅黑" panose="020B0503020204020204" charset="-122"/>
-                <a:cs typeface="微软雅黑" panose="020B0503020204020204" charset="-122"/>
-              </a:rPr>
-              <a:t>分支</a:t>
-            </a:r>
-            <a:endParaRPr lang="zh-CN" altLang="en-US" dirty="0" smtClean="0">
-              <a:solidFill>
-                <a:srgbClr val="404040"/>
-              </a:solidFill>
-              <a:latin typeface="微软雅黑" panose="020B0503020204020204" charset="-122"/>
-              <a:ea typeface="微软雅黑" panose="020B0503020204020204" charset="-122"/>
-              <a:cs typeface="微软雅黑" panose="020B0503020204020204" charset="-122"/>
-            </a:endParaRPr>
-          </a:p>
-          <a:p>
-            <a:pPr marL="1200150" lvl="3" indent="-342900" eaLnBrk="1" hangingPunct="1"/>
-            <a:r>
-              <a:rPr lang="en-US" altLang="zh-CN" dirty="0" smtClean="0">
-                <a:solidFill>
-                  <a:srgbClr val="404040"/>
-                </a:solidFill>
-                <a:latin typeface="微软雅黑" panose="020B0503020204020204" charset="-122"/>
-                <a:ea typeface="微软雅黑" panose="020B0503020204020204" charset="-122"/>
-                <a:cs typeface="微软雅黑" panose="020B0503020204020204" charset="-122"/>
-              </a:rPr>
-              <a:t>-d XX		</a:t>
-            </a:r>
-            <a:r>
-              <a:rPr lang="zh-CN" altLang="en-US" dirty="0" smtClean="0">
-                <a:solidFill>
-                  <a:srgbClr val="404040"/>
-                </a:solidFill>
-                <a:latin typeface="微软雅黑" panose="020B0503020204020204" charset="-122"/>
-                <a:ea typeface="微软雅黑" panose="020B0503020204020204" charset="-122"/>
-                <a:cs typeface="微软雅黑" panose="020B0503020204020204" charset="-122"/>
-              </a:rPr>
-              <a:t>删除</a:t>
-            </a:r>
-            <a:r>
-              <a:rPr lang="en-US" altLang="zh-CN" dirty="0" smtClean="0">
-                <a:solidFill>
-                  <a:srgbClr val="404040"/>
-                </a:solidFill>
-                <a:latin typeface="微软雅黑" panose="020B0503020204020204" charset="-122"/>
-                <a:ea typeface="微软雅黑" panose="020B0503020204020204" charset="-122"/>
-                <a:cs typeface="微软雅黑" panose="020B0503020204020204" charset="-122"/>
-                <a:sym typeface="+mn-ea"/>
-              </a:rPr>
-              <a:t>XX</a:t>
-            </a:r>
-            <a:r>
-              <a:rPr lang="zh-CN" altLang="en-US" dirty="0" smtClean="0">
-                <a:solidFill>
-                  <a:srgbClr val="404040"/>
-                </a:solidFill>
-                <a:latin typeface="微软雅黑" panose="020B0503020204020204" charset="-122"/>
-                <a:ea typeface="微软雅黑" panose="020B0503020204020204" charset="-122"/>
-                <a:cs typeface="微软雅黑" panose="020B0503020204020204" charset="-122"/>
-              </a:rPr>
-              <a:t>分支   </a:t>
-            </a:r>
-            <a:endParaRPr lang="zh-CN" altLang="en-US" dirty="0" smtClean="0">
-              <a:solidFill>
-                <a:srgbClr val="404040"/>
-              </a:solidFill>
-              <a:latin typeface="微软雅黑" panose="020B0503020204020204" charset="-122"/>
-              <a:ea typeface="微软雅黑" panose="020B0503020204020204" charset="-122"/>
-              <a:cs typeface="微软雅黑" panose="020B0503020204020204" charset="-122"/>
-            </a:endParaRPr>
-          </a:p>
-          <a:p>
-            <a:pPr marL="1200150" lvl="3" indent="-342900" eaLnBrk="1" hangingPunct="1"/>
-            <a:r>
-              <a:rPr lang="en-US" altLang="zh-CN" dirty="0" smtClean="0">
-                <a:solidFill>
-                  <a:srgbClr val="404040"/>
-                </a:solidFill>
-                <a:latin typeface="微软雅黑" panose="020B0503020204020204" charset="-122"/>
-                <a:ea typeface="微软雅黑" panose="020B0503020204020204" charset="-122"/>
-                <a:cs typeface="微软雅黑" panose="020B0503020204020204" charset="-122"/>
-              </a:rPr>
-              <a:t>-D </a:t>
-            </a:r>
-            <a:r>
-              <a:rPr lang="en-US" altLang="zh-CN" dirty="0" smtClean="0">
-                <a:solidFill>
-                  <a:srgbClr val="404040"/>
-                </a:solidFill>
-                <a:latin typeface="微软雅黑" panose="020B0503020204020204" charset="-122"/>
-                <a:ea typeface="微软雅黑" panose="020B0503020204020204" charset="-122"/>
-                <a:cs typeface="微软雅黑" panose="020B0503020204020204" charset="-122"/>
-                <a:sym typeface="+mn-ea"/>
-              </a:rPr>
-              <a:t>XX</a:t>
-            </a:r>
-            <a:r>
-              <a:rPr lang="en-US" altLang="zh-CN" dirty="0" smtClean="0">
-                <a:solidFill>
-                  <a:srgbClr val="404040"/>
-                </a:solidFill>
-                <a:latin typeface="微软雅黑" panose="020B0503020204020204" charset="-122"/>
-                <a:ea typeface="微软雅黑" panose="020B0503020204020204" charset="-122"/>
-                <a:cs typeface="微软雅黑" panose="020B0503020204020204" charset="-122"/>
-              </a:rPr>
-              <a:t>		</a:t>
-            </a:r>
-            <a:r>
-              <a:rPr lang="zh-CN" altLang="en-US" dirty="0" smtClean="0">
-                <a:solidFill>
-                  <a:srgbClr val="404040"/>
-                </a:solidFill>
-                <a:latin typeface="微软雅黑" panose="020B0503020204020204" charset="-122"/>
-                <a:ea typeface="微软雅黑" panose="020B0503020204020204" charset="-122"/>
-                <a:cs typeface="微软雅黑" panose="020B0503020204020204" charset="-122"/>
-              </a:rPr>
-              <a:t>强制删除</a:t>
-            </a:r>
-            <a:r>
-              <a:rPr lang="en-US" altLang="zh-CN" dirty="0" smtClean="0">
-                <a:solidFill>
-                  <a:srgbClr val="404040"/>
-                </a:solidFill>
-                <a:latin typeface="微软雅黑" panose="020B0503020204020204" charset="-122"/>
-                <a:ea typeface="微软雅黑" panose="020B0503020204020204" charset="-122"/>
-                <a:cs typeface="微软雅黑" panose="020B0503020204020204" charset="-122"/>
-                <a:sym typeface="+mn-ea"/>
-              </a:rPr>
-              <a:t>XX</a:t>
-            </a:r>
-            <a:r>
-              <a:rPr lang="zh-CN" altLang="en-US" dirty="0" smtClean="0">
-                <a:solidFill>
-                  <a:srgbClr val="404040"/>
-                </a:solidFill>
-                <a:latin typeface="微软雅黑" panose="020B0503020204020204" charset="-122"/>
-                <a:ea typeface="微软雅黑" panose="020B0503020204020204" charset="-122"/>
-                <a:cs typeface="微软雅黑" panose="020B0503020204020204" charset="-122"/>
-              </a:rPr>
-              <a:t>分支</a:t>
-            </a:r>
-            <a:endParaRPr lang="zh-CN" altLang="en-US" dirty="0" smtClean="0">
-              <a:solidFill>
-                <a:srgbClr val="404040"/>
-              </a:solidFill>
-              <a:latin typeface="微软雅黑" panose="020B0503020204020204" charset="-122"/>
-              <a:ea typeface="微软雅黑" panose="020B0503020204020204" charset="-122"/>
-              <a:cs typeface="微软雅黑" panose="020B0503020204020204" charset="-122"/>
-            </a:endParaRPr>
-          </a:p>
-          <a:p>
-            <a:pPr marL="1200150" lvl="3" indent="-342900" eaLnBrk="1" hangingPunct="1"/>
-            <a:r>
-              <a:rPr lang="en-US" altLang="zh-CN" dirty="0" smtClean="0">
-                <a:solidFill>
-                  <a:srgbClr val="404040"/>
-                </a:solidFill>
-                <a:latin typeface="微软雅黑" panose="020B0503020204020204" charset="-122"/>
-                <a:ea typeface="微软雅黑" panose="020B0503020204020204" charset="-122"/>
-                <a:cs typeface="微软雅黑" panose="020B0503020204020204" charset="-122"/>
-              </a:rPr>
-              <a:t>--merged    		</a:t>
-            </a:r>
-            <a:r>
-              <a:rPr lang="zh-CN" altLang="en-US" dirty="0" smtClean="0">
-                <a:solidFill>
-                  <a:srgbClr val="404040"/>
-                </a:solidFill>
-                <a:latin typeface="微软雅黑" panose="020B0503020204020204" charset="-122"/>
-                <a:ea typeface="微软雅黑" panose="020B0503020204020204" charset="-122"/>
-                <a:cs typeface="微软雅黑" panose="020B0503020204020204" charset="-122"/>
-              </a:rPr>
-              <a:t>查看当前分支的合并列表</a:t>
-            </a:r>
-            <a:endParaRPr lang="zh-CN" altLang="en-US" dirty="0" smtClean="0">
-              <a:solidFill>
-                <a:srgbClr val="404040"/>
-              </a:solidFill>
-              <a:latin typeface="微软雅黑" panose="020B0503020204020204" charset="-122"/>
-              <a:ea typeface="微软雅黑" panose="020B0503020204020204" charset="-122"/>
-              <a:cs typeface="微软雅黑" panose="020B0503020204020204" charset="-122"/>
-            </a:endParaRPr>
-          </a:p>
-          <a:p>
-            <a:pPr marL="1200150" lvl="3" indent="-342900" eaLnBrk="1" hangingPunct="1"/>
-            <a:r>
-              <a:rPr lang="en-US" altLang="zh-CN" dirty="0" smtClean="0">
-                <a:solidFill>
-                  <a:srgbClr val="404040"/>
-                </a:solidFill>
-                <a:latin typeface="微软雅黑" panose="020B0503020204020204" charset="-122"/>
-                <a:ea typeface="微软雅黑" panose="020B0503020204020204" charset="-122"/>
-                <a:cs typeface="微软雅黑" panose="020B0503020204020204" charset="-122"/>
-              </a:rPr>
-              <a:t>--no-merged  	</a:t>
-            </a:r>
-            <a:r>
-              <a:rPr lang="zh-CN" altLang="en-US" dirty="0" smtClean="0">
-                <a:solidFill>
-                  <a:srgbClr val="404040"/>
-                </a:solidFill>
-                <a:latin typeface="微软雅黑" panose="020B0503020204020204" charset="-122"/>
-                <a:ea typeface="微软雅黑" panose="020B0503020204020204" charset="-122"/>
-                <a:cs typeface="微软雅黑" panose="020B0503020204020204" charset="-122"/>
-                <a:sym typeface="+mn-ea"/>
-              </a:rPr>
-              <a:t>查看没合并的分支</a:t>
-            </a:r>
             <a:endParaRPr lang="en-US" altLang="zh-CN" dirty="0" smtClean="0">
-              <a:solidFill>
-                <a:srgbClr val="404040"/>
-              </a:solidFill>
-              <a:latin typeface="微软雅黑" panose="020B0503020204020204" charset="-122"/>
-              <a:ea typeface="微软雅黑" panose="020B0503020204020204" charset="-122"/>
-              <a:cs typeface="微软雅黑" panose="020B0503020204020204" charset="-122"/>
-            </a:endParaRPr>
-          </a:p>
-          <a:p>
-            <a:pPr marL="742950" lvl="2" indent="-342900" eaLnBrk="1" hangingPunct="1"/>
-            <a:r>
-              <a:rPr lang="en-US" altLang="zh-CN" dirty="0" err="1" smtClean="0">
-                <a:solidFill>
-                  <a:srgbClr val="404040"/>
-                </a:solidFill>
-                <a:latin typeface="微软雅黑" panose="020B0503020204020204" charset="-122"/>
-                <a:ea typeface="微软雅黑" panose="020B0503020204020204" charset="-122"/>
-                <a:cs typeface="微软雅黑" panose="020B0503020204020204" charset="-122"/>
-              </a:rPr>
-              <a:t>git</a:t>
-            </a:r>
-            <a:r>
-              <a:rPr lang="en-US" altLang="zh-CN" dirty="0" smtClean="0">
-                <a:solidFill>
-                  <a:srgbClr val="404040"/>
-                </a:solidFill>
-                <a:latin typeface="微软雅黑" panose="020B0503020204020204" charset="-122"/>
-                <a:ea typeface="微软雅黑" panose="020B0503020204020204" charset="-122"/>
-                <a:cs typeface="微软雅黑" panose="020B0503020204020204" charset="-122"/>
-              </a:rPr>
-              <a:t> checkout	XX </a:t>
-            </a:r>
-            <a:r>
-              <a:rPr lang="zh-CN" altLang="en-US" dirty="0" smtClean="0">
-                <a:solidFill>
-                  <a:srgbClr val="404040"/>
-                </a:solidFill>
-                <a:latin typeface="微软雅黑" panose="020B0503020204020204" charset="-122"/>
-                <a:ea typeface="微软雅黑" panose="020B0503020204020204" charset="-122"/>
-                <a:cs typeface="微软雅黑" panose="020B0503020204020204" charset="-122"/>
-              </a:rPr>
-              <a:t>切换到某分支</a:t>
-            </a:r>
-            <a:endParaRPr lang="zh-CN" altLang="en-US" dirty="0" smtClean="0">
-              <a:solidFill>
-                <a:srgbClr val="404040"/>
-              </a:solidFill>
-              <a:latin typeface="微软雅黑" panose="020B0503020204020204" charset="-122"/>
-              <a:ea typeface="微软雅黑" panose="020B0503020204020204" charset="-122"/>
-              <a:cs typeface="微软雅黑" panose="020B0503020204020204" charset="-122"/>
-            </a:endParaRPr>
-          </a:p>
-          <a:p>
-            <a:pPr marL="1200150" lvl="3" indent="-342900" eaLnBrk="1" hangingPunct="1"/>
-            <a:r>
-              <a:rPr lang="en-US" altLang="zh-CN" dirty="0" smtClean="0">
-                <a:solidFill>
-                  <a:srgbClr val="404040"/>
-                </a:solidFill>
-                <a:latin typeface="微软雅黑" panose="020B0503020204020204" charset="-122"/>
-                <a:ea typeface="微软雅黑" panose="020B0503020204020204" charset="-122"/>
-                <a:cs typeface="微软雅黑" panose="020B0503020204020204" charset="-122"/>
-              </a:rPr>
-              <a:t>-b		</a:t>
-            </a:r>
-            <a:r>
-              <a:rPr lang="zh-CN" altLang="en-US" dirty="0" smtClean="0">
-                <a:solidFill>
-                  <a:srgbClr val="404040"/>
-                </a:solidFill>
-                <a:latin typeface="微软雅黑" panose="020B0503020204020204" charset="-122"/>
-                <a:ea typeface="微软雅黑" panose="020B0503020204020204" charset="-122"/>
-                <a:cs typeface="微软雅黑" panose="020B0503020204020204" charset="-122"/>
-              </a:rPr>
-              <a:t>简写</a:t>
-            </a:r>
-            <a:endParaRPr lang="zh-CN" altLang="en-US" dirty="0" smtClean="0">
-              <a:solidFill>
-                <a:srgbClr val="404040"/>
-              </a:solidFill>
-              <a:latin typeface="微软雅黑" panose="020B0503020204020204" charset="-122"/>
-              <a:ea typeface="微软雅黑" panose="020B0503020204020204" charset="-122"/>
-              <a:cs typeface="微软雅黑" panose="020B0503020204020204" charset="-122"/>
-            </a:endParaRPr>
-          </a:p>
-          <a:p>
-            <a:pPr marL="742950" lvl="2" indent="-342900" eaLnBrk="1" hangingPunct="1"/>
-            <a:r>
-              <a:rPr lang="en-US" altLang="zh-CN" dirty="0" err="1" smtClean="0">
-                <a:solidFill>
-                  <a:srgbClr val="404040"/>
-                </a:solidFill>
-                <a:latin typeface="微软雅黑" panose="020B0503020204020204" charset="-122"/>
-                <a:ea typeface="微软雅黑" panose="020B0503020204020204" charset="-122"/>
-                <a:cs typeface="微软雅黑" panose="020B0503020204020204" charset="-122"/>
-              </a:rPr>
-              <a:t>git</a:t>
-            </a:r>
-            <a:r>
-              <a:rPr lang="en-US" altLang="zh-CN" dirty="0" smtClean="0">
-                <a:solidFill>
-                  <a:srgbClr val="404040"/>
-                </a:solidFill>
-                <a:latin typeface="微软雅黑" panose="020B0503020204020204" charset="-122"/>
-                <a:ea typeface="微软雅黑" panose="020B0503020204020204" charset="-122"/>
-                <a:cs typeface="微软雅黑" panose="020B0503020204020204" charset="-122"/>
-              </a:rPr>
-              <a:t> merge XX </a:t>
-            </a:r>
-            <a:r>
-              <a:rPr lang="zh-CN" altLang="en-US" dirty="0" smtClean="0">
-                <a:solidFill>
-                  <a:srgbClr val="404040"/>
-                </a:solidFill>
-                <a:latin typeface="微软雅黑" panose="020B0503020204020204" charset="-122"/>
-                <a:ea typeface="微软雅黑" panose="020B0503020204020204" charset="-122"/>
-                <a:cs typeface="微软雅黑" panose="020B0503020204020204" charset="-122"/>
-              </a:rPr>
-              <a:t>快速合并</a:t>
-            </a:r>
-            <a:r>
-              <a:rPr lang="en-US" altLang="zh-CN" dirty="0" smtClean="0">
-                <a:solidFill>
-                  <a:srgbClr val="404040"/>
-                </a:solidFill>
-                <a:latin typeface="微软雅黑" panose="020B0503020204020204" charset="-122"/>
-                <a:ea typeface="微软雅黑" panose="020B0503020204020204" charset="-122"/>
-                <a:cs typeface="微软雅黑" panose="020B0503020204020204" charset="-122"/>
-              </a:rPr>
-              <a:t>XX</a:t>
-            </a:r>
-            <a:r>
-              <a:rPr lang="zh-CN" altLang="en-US" dirty="0" smtClean="0">
-                <a:solidFill>
-                  <a:srgbClr val="404040"/>
-                </a:solidFill>
-                <a:latin typeface="微软雅黑" panose="020B0503020204020204" charset="-122"/>
-                <a:ea typeface="微软雅黑" panose="020B0503020204020204" charset="-122"/>
-                <a:cs typeface="微软雅黑" panose="020B0503020204020204" charset="-122"/>
-              </a:rPr>
-              <a:t>分支</a:t>
-            </a:r>
-            <a:endParaRPr lang="zh-CN" altLang="en-US" dirty="0" smtClean="0">
               <a:solidFill>
                 <a:srgbClr val="404040"/>
               </a:solidFill>
@@ -5744,7 +5534,7 @@
         </p:nvSpPr>
         <p:spPr>
           <a:xfrm>
-            <a:off x="1981200" y="1711325"/>
+            <a:off x="1932940" y="775335"/>
             <a:ext cx="8229600" cy="4525963"/>
           </a:xfrm>
         </p:spPr>
@@ -5760,26 +5550,15 @@
               <a:buChar char="l"/>
             </a:pPr>
             <a:r>
-              <a:rPr lang="en-US" altLang="zh-CN" dirty="0" err="1" smtClean="0">
-                <a:solidFill>
-                  <a:srgbClr val="404040"/>
-                </a:solidFill>
-                <a:latin typeface="微软雅黑" panose="020B0503020204020204" charset="-122"/>
-                <a:ea typeface="微软雅黑" panose="020B0503020204020204" charset="-122"/>
-                <a:cs typeface="微软雅黑" panose="020B0503020204020204" charset="-122"/>
-              </a:rPr>
-              <a:t>github</a:t>
-            </a:r>
-            <a:r>
-              <a:rPr lang="zh-CN" altLang="en-US" dirty="0" smtClean="0">
-                <a:solidFill>
-                  <a:srgbClr val="404040"/>
-                </a:solidFill>
-                <a:latin typeface="微软雅黑" panose="020B0503020204020204" charset="-122"/>
-                <a:ea typeface="微软雅黑" panose="020B0503020204020204" charset="-122"/>
-                <a:cs typeface="微软雅黑" panose="020B0503020204020204" charset="-122"/>
-              </a:rPr>
-              <a:t>上的分支</a:t>
+              <a:rPr lang="zh-CN" altLang="en-US" dirty="0" smtClean="0">
+                <a:solidFill>
+                  <a:srgbClr val="404040"/>
+                </a:solidFill>
+                <a:latin typeface="微软雅黑" panose="020B0503020204020204" charset="-122"/>
+                <a:ea typeface="微软雅黑" panose="020B0503020204020204" charset="-122"/>
+                <a:cs typeface="微软雅黑" panose="020B0503020204020204" charset="-122"/>
+              </a:rPr>
+              <a:t>开源项目协作</a:t>
             </a:r>
             <a:endParaRPr lang="en-US" altLang="zh-CN" dirty="0" smtClean="0">
               <a:solidFill>
@@ -5793,17 +5572,6 @@
           <a:p>
             <a:pPr marL="742950" lvl="2" indent="-342900" eaLnBrk="1" hangingPunct="1"/>
             <a:r>
-              <a:rPr lang="en-US" altLang="zh-CN" dirty="0" err="1" smtClean="0">
-                <a:solidFill>
-                  <a:srgbClr val="404040"/>
-                </a:solidFill>
-                <a:latin typeface="微软雅黑" panose="020B0503020204020204" charset="-122"/>
-                <a:ea typeface="微软雅黑" panose="020B0503020204020204" charset="-122"/>
-                <a:cs typeface="微软雅黑" panose="020B0503020204020204" charset="-122"/>
-              </a:rPr>
-              <a:t>git</a:t>
-            </a:r>
-            <a:r>
               <a:rPr lang="en-US" altLang="zh-CN" dirty="0" smtClean="0">
                 <a:solidFill>
                   <a:srgbClr val="404040"/>
@@ -5812,9 +5580,20 @@
                 <a:ea typeface="微软雅黑" panose="020B0503020204020204" charset="-122"/>
                 <a:cs typeface="微软雅黑" panose="020B0503020204020204" charset="-122"/>
               </a:rPr>
-              <a:t> push </a:t>
-            </a:r>
-            <a:endParaRPr lang="en-US" altLang="zh-CN" dirty="0" smtClean="0">
+              <a:t>fork	</a:t>
+            </a:r>
+            <a:r>
+              <a:rPr lang="zh-CN" altLang="en-US" dirty="0" smtClean="0">
+                <a:solidFill>
+                  <a:srgbClr val="404040"/>
+                </a:solidFill>
+                <a:latin typeface="微软雅黑" panose="020B0503020204020204" charset="-122"/>
+                <a:ea typeface="微软雅黑" panose="020B0503020204020204" charset="-122"/>
+                <a:cs typeface="微软雅黑" panose="020B0503020204020204" charset="-122"/>
+              </a:rPr>
+              <a:t>镜像一个项目</a:t>
+            </a:r>
+            <a:endParaRPr lang="zh-CN" altLang="en-US" dirty="0" smtClean="0">
               <a:solidFill>
                 <a:srgbClr val="404040"/>
               </a:solidFill>
@@ -5826,100 +5605,6 @@
           <a:p>
             <a:pPr marL="742950" lvl="2" indent="-342900" eaLnBrk="1" hangingPunct="1"/>
             <a:r>
-              <a:rPr lang="en-US" altLang="zh-CN" dirty="0" err="1" smtClean="0">
-                <a:solidFill>
-                  <a:srgbClr val="404040"/>
-                </a:solidFill>
-                <a:latin typeface="微软雅黑" panose="020B0503020204020204" charset="-122"/>
-                <a:ea typeface="微软雅黑" panose="020B0503020204020204" charset="-122"/>
-                <a:cs typeface="微软雅黑" panose="020B0503020204020204" charset="-122"/>
-              </a:rPr>
-              <a:t>github</a:t>
-            </a:r>
-            <a:r>
-              <a:rPr lang="zh-CN" altLang="en-US" dirty="0" smtClean="0">
-                <a:solidFill>
-                  <a:srgbClr val="404040"/>
-                </a:solidFill>
-                <a:latin typeface="微软雅黑" panose="020B0503020204020204" charset="-122"/>
-                <a:ea typeface="微软雅黑" panose="020B0503020204020204" charset="-122"/>
-                <a:cs typeface="微软雅黑" panose="020B0503020204020204" charset="-122"/>
-              </a:rPr>
-              <a:t>上直接创建</a:t>
-            </a:r>
-            <a:endParaRPr lang="en-US" altLang="zh-CN" dirty="0" smtClean="0">
-              <a:solidFill>
-                <a:srgbClr val="404040"/>
-              </a:solidFill>
-              <a:latin typeface="微软雅黑" panose="020B0503020204020204" charset="-122"/>
-              <a:ea typeface="微软雅黑" panose="020B0503020204020204" charset="-122"/>
-              <a:cs typeface="微软雅黑" panose="020B0503020204020204" charset="-122"/>
-            </a:endParaRPr>
-          </a:p>
-          <a:p>
-            <a:pPr marL="1200150" lvl="3" indent="-342900" eaLnBrk="1" hangingPunct="1"/>
-            <a:endParaRPr lang="en-US" altLang="zh-CN" dirty="0" smtClean="0">
-              <a:solidFill>
-                <a:srgbClr val="404040"/>
-              </a:solidFill>
-              <a:latin typeface="微软雅黑" panose="020B0503020204020204" charset="-122"/>
-              <a:ea typeface="微软雅黑" panose="020B0503020204020204" charset="-122"/>
-              <a:cs typeface="微软雅黑" panose="020B0503020204020204" charset="-122"/>
-            </a:endParaRPr>
-          </a:p>
-          <a:p>
-            <a:pPr marL="342900" lvl="1" indent="-342900" eaLnBrk="1" hangingPunct="1">
-              <a:buClr>
-                <a:srgbClr val="F50A64"/>
-              </a:buClr>
-              <a:buFont typeface="Wingdings" panose="05000000000000000000" pitchFamily="2" charset="2"/>
-              <a:buChar char="l"/>
-            </a:pPr>
-            <a:r>
-              <a:rPr lang="en-US" altLang="zh-CN" dirty="0" err="1" smtClean="0">
-                <a:solidFill>
-                  <a:srgbClr val="404040"/>
-                </a:solidFill>
-                <a:latin typeface="微软雅黑" panose="020B0503020204020204" charset="-122"/>
-                <a:ea typeface="微软雅黑" panose="020B0503020204020204" charset="-122"/>
-                <a:cs typeface="微软雅黑" panose="020B0503020204020204" charset="-122"/>
-              </a:rPr>
-              <a:t>github</a:t>
-            </a:r>
-            <a:r>
-              <a:rPr lang="zh-CN" altLang="en-US" dirty="0" smtClean="0">
-                <a:solidFill>
-                  <a:srgbClr val="404040"/>
-                </a:solidFill>
-                <a:latin typeface="微软雅黑" panose="020B0503020204020204" charset="-122"/>
-                <a:ea typeface="微软雅黑" panose="020B0503020204020204" charset="-122"/>
-                <a:cs typeface="微软雅黑" panose="020B0503020204020204" charset="-122"/>
-              </a:rPr>
-              <a:t>上的标签</a:t>
-            </a:r>
-            <a:endParaRPr lang="en-US" altLang="zh-CN" dirty="0" smtClean="0">
-              <a:solidFill>
-                <a:srgbClr val="404040"/>
-              </a:solidFill>
-              <a:latin typeface="微软雅黑" panose="020B0503020204020204" charset="-122"/>
-              <a:ea typeface="微软雅黑" panose="020B0503020204020204" charset="-122"/>
-              <a:cs typeface="微软雅黑" panose="020B0503020204020204" charset="-122"/>
-            </a:endParaRPr>
-          </a:p>
-          <a:p>
-            <a:pPr marL="742950" lvl="2" indent="-342900" eaLnBrk="1" hangingPunct="1"/>
-            <a:r>
-              <a:rPr lang="en-US" altLang="zh-CN" dirty="0" err="1" smtClean="0">
-                <a:solidFill>
-                  <a:srgbClr val="404040"/>
-                </a:solidFill>
-                <a:latin typeface="微软雅黑" panose="020B0503020204020204" charset="-122"/>
-                <a:ea typeface="微软雅黑" panose="020B0503020204020204" charset="-122"/>
-                <a:cs typeface="微软雅黑" panose="020B0503020204020204" charset="-122"/>
-              </a:rPr>
-              <a:t>git</a:t>
-            </a:r>
-            <a:r>
               <a:rPr lang="en-US" altLang="zh-CN" dirty="0" smtClean="0">
                 <a:solidFill>
                   <a:srgbClr val="404040"/>
@@ -5928,42 +5613,20 @@
                 <a:ea typeface="微软雅黑" panose="020B0503020204020204" charset="-122"/>
                 <a:cs typeface="微软雅黑" panose="020B0503020204020204" charset="-122"/>
               </a:rPr>
-              <a:t> tag</a:t>
-            </a:r>
-            <a:endParaRPr lang="en-US" altLang="zh-CN" dirty="0" smtClean="0">
-              <a:solidFill>
-                <a:srgbClr val="404040"/>
-              </a:solidFill>
-              <a:latin typeface="微软雅黑" panose="020B0503020204020204" charset="-122"/>
-              <a:ea typeface="微软雅黑" panose="020B0503020204020204" charset="-122"/>
-              <a:cs typeface="微软雅黑" panose="020B0503020204020204" charset="-122"/>
-            </a:endParaRPr>
-          </a:p>
-          <a:p>
-            <a:pPr marL="742950" lvl="2" indent="-342900" eaLnBrk="1" hangingPunct="1"/>
-            <a:r>
-              <a:rPr lang="en-US" altLang="zh-CN" dirty="0" err="1" smtClean="0">
-                <a:solidFill>
-                  <a:srgbClr val="404040"/>
-                </a:solidFill>
-                <a:latin typeface="微软雅黑" panose="020B0503020204020204" charset="-122"/>
-                <a:ea typeface="微软雅黑" panose="020B0503020204020204" charset="-122"/>
-                <a:cs typeface="微软雅黑" panose="020B0503020204020204" charset="-122"/>
-              </a:rPr>
-              <a:t>github</a:t>
-            </a:r>
-            <a:r>
-              <a:rPr lang="zh-CN" altLang="en-US" dirty="0" smtClean="0">
-                <a:solidFill>
-                  <a:srgbClr val="404040"/>
-                </a:solidFill>
-                <a:latin typeface="微软雅黑" panose="020B0503020204020204" charset="-122"/>
-                <a:ea typeface="微软雅黑" panose="020B0503020204020204" charset="-122"/>
-                <a:cs typeface="微软雅黑" panose="020B0503020204020204" charset="-122"/>
-              </a:rPr>
-              <a:t>上直接创建</a:t>
-            </a:r>
-            <a:endParaRPr lang="en-US" altLang="zh-CN" dirty="0" smtClean="0">
+              <a:t>pull request </a:t>
+            </a:r>
+            <a:r>
+              <a:rPr lang="zh-CN" altLang="en-US" dirty="0" smtClean="0">
+                <a:solidFill>
+                  <a:srgbClr val="404040"/>
+                </a:solidFill>
+                <a:latin typeface="微软雅黑" panose="020B0503020204020204" charset="-122"/>
+                <a:ea typeface="微软雅黑" panose="020B0503020204020204" charset="-122"/>
+                <a:cs typeface="微软雅黑" panose="020B0503020204020204" charset="-122"/>
+              </a:rPr>
+              <a:t>合并请求</a:t>
+            </a:r>
+            <a:endParaRPr lang="zh-CN" altLang="en-US" dirty="0" smtClean="0">
               <a:solidFill>
                 <a:srgbClr val="404040"/>
               </a:solidFill>
@@ -6048,15 +5711,26 @@
               <a:buChar char="l"/>
             </a:pPr>
             <a:r>
-              <a:rPr lang="zh-CN" altLang="en-US" dirty="0" smtClean="0">
-                <a:solidFill>
-                  <a:srgbClr val="404040"/>
-                </a:solidFill>
-                <a:latin typeface="微软雅黑" panose="020B0503020204020204" charset="-122"/>
-                <a:ea typeface="微软雅黑" panose="020B0503020204020204" charset="-122"/>
-                <a:cs typeface="微软雅黑" panose="020B0503020204020204" charset="-122"/>
-              </a:rPr>
-              <a:t>创建组织</a:t>
+              <a:rPr lang="en-US" altLang="zh-CN" dirty="0" err="1" smtClean="0">
+                <a:solidFill>
+                  <a:srgbClr val="404040"/>
+                </a:solidFill>
+                <a:latin typeface="微软雅黑" panose="020B0503020204020204" charset="-122"/>
+                <a:ea typeface="微软雅黑" panose="020B0503020204020204" charset="-122"/>
+                <a:cs typeface="微软雅黑" panose="020B0503020204020204" charset="-122"/>
+              </a:rPr>
+              <a:t>Git</a:t>
+            </a:r>
+            <a:r>
+              <a:rPr lang="zh-CN" altLang="en-US" dirty="0" smtClean="0">
+                <a:solidFill>
+                  <a:srgbClr val="404040"/>
+                </a:solidFill>
+                <a:latin typeface="微软雅黑" panose="020B0503020204020204" charset="-122"/>
+                <a:ea typeface="微软雅黑" panose="020B0503020204020204" charset="-122"/>
+                <a:cs typeface="微软雅黑" panose="020B0503020204020204" charset="-122"/>
+              </a:rPr>
+              <a:t>分支</a:t>
             </a:r>
             <a:endParaRPr lang="en-US" altLang="zh-CN" dirty="0" smtClean="0">
               <a:solidFill>
@@ -6078,18 +5752,321 @@
                 <a:ea typeface="微软雅黑" panose="020B0503020204020204" charset="-122"/>
                 <a:cs typeface="微软雅黑" panose="020B0503020204020204" charset="-122"/>
               </a:rPr>
-              <a:t>github</a:t>
-            </a:r>
-            <a:r>
-              <a:rPr lang="zh-CN" altLang="en-US" dirty="0" smtClean="0">
-                <a:solidFill>
-                  <a:srgbClr val="404040"/>
-                </a:solidFill>
-                <a:latin typeface="微软雅黑" panose="020B0503020204020204" charset="-122"/>
-                <a:ea typeface="微软雅黑" panose="020B0503020204020204" charset="-122"/>
-                <a:cs typeface="微软雅黑" panose="020B0503020204020204" charset="-122"/>
-              </a:rPr>
-              <a:t>上创建</a:t>
+              <a:t>git</a:t>
+            </a:r>
+            <a:r>
+              <a:rPr lang="en-US" altLang="zh-CN" dirty="0" smtClean="0">
+                <a:solidFill>
+                  <a:srgbClr val="404040"/>
+                </a:solidFill>
+                <a:latin typeface="微软雅黑" panose="020B0503020204020204" charset="-122"/>
+                <a:ea typeface="微软雅黑" panose="020B0503020204020204" charset="-122"/>
+                <a:cs typeface="微软雅黑" panose="020B0503020204020204" charset="-122"/>
+              </a:rPr>
+              <a:t> branch  </a:t>
+            </a:r>
+            <a:r>
+              <a:rPr lang="zh-CN" altLang="en-US" dirty="0" smtClean="0">
+                <a:solidFill>
+                  <a:srgbClr val="404040"/>
+                </a:solidFill>
+                <a:latin typeface="微软雅黑" panose="020B0503020204020204" charset="-122"/>
+                <a:ea typeface="微软雅黑" panose="020B0503020204020204" charset="-122"/>
+                <a:cs typeface="微软雅黑" panose="020B0503020204020204" charset="-122"/>
+              </a:rPr>
+              <a:t>查看分支</a:t>
+            </a:r>
+            <a:endParaRPr lang="zh-CN" altLang="en-US" dirty="0" smtClean="0">
+              <a:solidFill>
+                <a:srgbClr val="404040"/>
+              </a:solidFill>
+              <a:latin typeface="微软雅黑" panose="020B0503020204020204" charset="-122"/>
+              <a:ea typeface="微软雅黑" panose="020B0503020204020204" charset="-122"/>
+              <a:cs typeface="微软雅黑" panose="020B0503020204020204" charset="-122"/>
+            </a:endParaRPr>
+          </a:p>
+          <a:p>
+            <a:pPr marL="742950" lvl="2" indent="-342900" eaLnBrk="1" hangingPunct="1"/>
+            <a:r>
+              <a:rPr lang="en-US" altLang="zh-CN" dirty="0" err="1" smtClean="0">
+                <a:solidFill>
+                  <a:srgbClr val="404040"/>
+                </a:solidFill>
+                <a:latin typeface="微软雅黑" panose="020B0503020204020204" charset="-122"/>
+                <a:ea typeface="微软雅黑" panose="020B0503020204020204" charset="-122"/>
+                <a:cs typeface="微软雅黑" panose="020B0503020204020204" charset="-122"/>
+                <a:sym typeface="+mn-ea"/>
+              </a:rPr>
+              <a:t>git</a:t>
+            </a:r>
+            <a:r>
+              <a:rPr lang="en-US" altLang="zh-CN" dirty="0" smtClean="0">
+                <a:solidFill>
+                  <a:srgbClr val="404040"/>
+                </a:solidFill>
+                <a:latin typeface="微软雅黑" panose="020B0503020204020204" charset="-122"/>
+                <a:ea typeface="微软雅黑" panose="020B0503020204020204" charset="-122"/>
+                <a:cs typeface="微软雅黑" panose="020B0503020204020204" charset="-122"/>
+                <a:sym typeface="+mn-ea"/>
+              </a:rPr>
+              <a:t> branch</a:t>
+            </a:r>
+            <a:r>
+              <a:rPr lang="zh-CN" altLang="en-US" dirty="0" smtClean="0">
+                <a:solidFill>
+                  <a:srgbClr val="404040"/>
+                </a:solidFill>
+                <a:latin typeface="微软雅黑" panose="020B0503020204020204" charset="-122"/>
+                <a:ea typeface="微软雅黑" panose="020B0503020204020204" charset="-122"/>
+                <a:cs typeface="微软雅黑" panose="020B0503020204020204" charset="-122"/>
+              </a:rPr>
+              <a:t>   </a:t>
+            </a:r>
+            <a:r>
+              <a:rPr lang="en-US" altLang="zh-CN" dirty="0" smtClean="0">
+                <a:solidFill>
+                  <a:srgbClr val="404040"/>
+                </a:solidFill>
+                <a:latin typeface="微软雅黑" panose="020B0503020204020204" charset="-122"/>
+                <a:ea typeface="微软雅黑" panose="020B0503020204020204" charset="-122"/>
+                <a:cs typeface="微软雅黑" panose="020B0503020204020204" charset="-122"/>
+              </a:rPr>
+              <a:t>XX	</a:t>
+            </a:r>
+            <a:r>
+              <a:rPr lang="zh-CN" altLang="en-US" dirty="0" smtClean="0">
+                <a:solidFill>
+                  <a:srgbClr val="404040"/>
+                </a:solidFill>
+                <a:latin typeface="微软雅黑" panose="020B0503020204020204" charset="-122"/>
+                <a:ea typeface="微软雅黑" panose="020B0503020204020204" charset="-122"/>
+                <a:cs typeface="微软雅黑" panose="020B0503020204020204" charset="-122"/>
+              </a:rPr>
+              <a:t>创建</a:t>
+            </a:r>
+            <a:r>
+              <a:rPr lang="en-US" altLang="zh-CN" dirty="0" smtClean="0">
+                <a:solidFill>
+                  <a:srgbClr val="404040"/>
+                </a:solidFill>
+                <a:latin typeface="微软雅黑" panose="020B0503020204020204" charset="-122"/>
+                <a:ea typeface="微软雅黑" panose="020B0503020204020204" charset="-122"/>
+                <a:cs typeface="微软雅黑" panose="020B0503020204020204" charset="-122"/>
+              </a:rPr>
+              <a:t>XX</a:t>
+            </a:r>
+            <a:r>
+              <a:rPr lang="zh-CN" altLang="en-US" dirty="0" smtClean="0">
+                <a:solidFill>
+                  <a:srgbClr val="404040"/>
+                </a:solidFill>
+                <a:latin typeface="微软雅黑" panose="020B0503020204020204" charset="-122"/>
+                <a:ea typeface="微软雅黑" panose="020B0503020204020204" charset="-122"/>
+                <a:cs typeface="微软雅黑" panose="020B0503020204020204" charset="-122"/>
+              </a:rPr>
+              <a:t>分支</a:t>
+            </a:r>
+            <a:endParaRPr lang="zh-CN" altLang="en-US" dirty="0" smtClean="0">
+              <a:solidFill>
+                <a:srgbClr val="404040"/>
+              </a:solidFill>
+              <a:latin typeface="微软雅黑" panose="020B0503020204020204" charset="-122"/>
+              <a:ea typeface="微软雅黑" panose="020B0503020204020204" charset="-122"/>
+              <a:cs typeface="微软雅黑" panose="020B0503020204020204" charset="-122"/>
+            </a:endParaRPr>
+          </a:p>
+          <a:p>
+            <a:pPr marL="1200150" lvl="3" indent="-342900" eaLnBrk="1" hangingPunct="1"/>
+            <a:r>
+              <a:rPr lang="en-US" altLang="zh-CN" dirty="0" smtClean="0">
+                <a:solidFill>
+                  <a:srgbClr val="404040"/>
+                </a:solidFill>
+                <a:latin typeface="微软雅黑" panose="020B0503020204020204" charset="-122"/>
+                <a:ea typeface="微软雅黑" panose="020B0503020204020204" charset="-122"/>
+                <a:cs typeface="微软雅黑" panose="020B0503020204020204" charset="-122"/>
+              </a:rPr>
+              <a:t>-d XX		</a:t>
+            </a:r>
+            <a:r>
+              <a:rPr lang="zh-CN" altLang="en-US" dirty="0" smtClean="0">
+                <a:solidFill>
+                  <a:srgbClr val="404040"/>
+                </a:solidFill>
+                <a:latin typeface="微软雅黑" panose="020B0503020204020204" charset="-122"/>
+                <a:ea typeface="微软雅黑" panose="020B0503020204020204" charset="-122"/>
+                <a:cs typeface="微软雅黑" panose="020B0503020204020204" charset="-122"/>
+              </a:rPr>
+              <a:t>删除</a:t>
+            </a:r>
+            <a:r>
+              <a:rPr lang="en-US" altLang="zh-CN" dirty="0" smtClean="0">
+                <a:solidFill>
+                  <a:srgbClr val="404040"/>
+                </a:solidFill>
+                <a:latin typeface="微软雅黑" panose="020B0503020204020204" charset="-122"/>
+                <a:ea typeface="微软雅黑" panose="020B0503020204020204" charset="-122"/>
+                <a:cs typeface="微软雅黑" panose="020B0503020204020204" charset="-122"/>
+                <a:sym typeface="+mn-ea"/>
+              </a:rPr>
+              <a:t>XX</a:t>
+            </a:r>
+            <a:r>
+              <a:rPr lang="zh-CN" altLang="en-US" dirty="0" smtClean="0">
+                <a:solidFill>
+                  <a:srgbClr val="404040"/>
+                </a:solidFill>
+                <a:latin typeface="微软雅黑" panose="020B0503020204020204" charset="-122"/>
+                <a:ea typeface="微软雅黑" panose="020B0503020204020204" charset="-122"/>
+                <a:cs typeface="微软雅黑" panose="020B0503020204020204" charset="-122"/>
+              </a:rPr>
+              <a:t>分支   </a:t>
+            </a:r>
+            <a:endParaRPr lang="zh-CN" altLang="en-US" dirty="0" smtClean="0">
+              <a:solidFill>
+                <a:srgbClr val="404040"/>
+              </a:solidFill>
+              <a:latin typeface="微软雅黑" panose="020B0503020204020204" charset="-122"/>
+              <a:ea typeface="微软雅黑" panose="020B0503020204020204" charset="-122"/>
+              <a:cs typeface="微软雅黑" panose="020B0503020204020204" charset="-122"/>
+            </a:endParaRPr>
+          </a:p>
+          <a:p>
+            <a:pPr marL="1200150" lvl="3" indent="-342900" eaLnBrk="1" hangingPunct="1"/>
+            <a:r>
+              <a:rPr lang="en-US" altLang="zh-CN" dirty="0" smtClean="0">
+                <a:solidFill>
+                  <a:srgbClr val="404040"/>
+                </a:solidFill>
+                <a:latin typeface="微软雅黑" panose="020B0503020204020204" charset="-122"/>
+                <a:ea typeface="微软雅黑" panose="020B0503020204020204" charset="-122"/>
+                <a:cs typeface="微软雅黑" panose="020B0503020204020204" charset="-122"/>
+              </a:rPr>
+              <a:t>-D </a:t>
+            </a:r>
+            <a:r>
+              <a:rPr lang="en-US" altLang="zh-CN" dirty="0" smtClean="0">
+                <a:solidFill>
+                  <a:srgbClr val="404040"/>
+                </a:solidFill>
+                <a:latin typeface="微软雅黑" panose="020B0503020204020204" charset="-122"/>
+                <a:ea typeface="微软雅黑" panose="020B0503020204020204" charset="-122"/>
+                <a:cs typeface="微软雅黑" panose="020B0503020204020204" charset="-122"/>
+                <a:sym typeface="+mn-ea"/>
+              </a:rPr>
+              <a:t>XX</a:t>
+            </a:r>
+            <a:r>
+              <a:rPr lang="en-US" altLang="zh-CN" dirty="0" smtClean="0">
+                <a:solidFill>
+                  <a:srgbClr val="404040"/>
+                </a:solidFill>
+                <a:latin typeface="微软雅黑" panose="020B0503020204020204" charset="-122"/>
+                <a:ea typeface="微软雅黑" panose="020B0503020204020204" charset="-122"/>
+                <a:cs typeface="微软雅黑" panose="020B0503020204020204" charset="-122"/>
+              </a:rPr>
+              <a:t>		</a:t>
+            </a:r>
+            <a:r>
+              <a:rPr lang="zh-CN" altLang="en-US" dirty="0" smtClean="0">
+                <a:solidFill>
+                  <a:srgbClr val="404040"/>
+                </a:solidFill>
+                <a:latin typeface="微软雅黑" panose="020B0503020204020204" charset="-122"/>
+                <a:ea typeface="微软雅黑" panose="020B0503020204020204" charset="-122"/>
+                <a:cs typeface="微软雅黑" panose="020B0503020204020204" charset="-122"/>
+              </a:rPr>
+              <a:t>强制删除</a:t>
+            </a:r>
+            <a:r>
+              <a:rPr lang="en-US" altLang="zh-CN" dirty="0" smtClean="0">
+                <a:solidFill>
+                  <a:srgbClr val="404040"/>
+                </a:solidFill>
+                <a:latin typeface="微软雅黑" panose="020B0503020204020204" charset="-122"/>
+                <a:ea typeface="微软雅黑" panose="020B0503020204020204" charset="-122"/>
+                <a:cs typeface="微软雅黑" panose="020B0503020204020204" charset="-122"/>
+                <a:sym typeface="+mn-ea"/>
+              </a:rPr>
+              <a:t>XX</a:t>
+            </a:r>
+            <a:r>
+              <a:rPr lang="zh-CN" altLang="en-US" dirty="0" smtClean="0">
+                <a:solidFill>
+                  <a:srgbClr val="404040"/>
+                </a:solidFill>
+                <a:latin typeface="微软雅黑" panose="020B0503020204020204" charset="-122"/>
+                <a:ea typeface="微软雅黑" panose="020B0503020204020204" charset="-122"/>
+                <a:cs typeface="微软雅黑" panose="020B0503020204020204" charset="-122"/>
+              </a:rPr>
+              <a:t>分支</a:t>
+            </a:r>
+            <a:endParaRPr lang="zh-CN" altLang="en-US" dirty="0" smtClean="0">
+              <a:solidFill>
+                <a:srgbClr val="404040"/>
+              </a:solidFill>
+              <a:latin typeface="微软雅黑" panose="020B0503020204020204" charset="-122"/>
+              <a:ea typeface="微软雅黑" panose="020B0503020204020204" charset="-122"/>
+              <a:cs typeface="微软雅黑" panose="020B0503020204020204" charset="-122"/>
+            </a:endParaRPr>
+          </a:p>
+          <a:p>
+            <a:pPr marL="1200150" lvl="3" indent="-342900" eaLnBrk="1" hangingPunct="1"/>
+            <a:r>
+              <a:rPr lang="en-US" altLang="zh-CN" dirty="0" smtClean="0">
+                <a:solidFill>
+                  <a:srgbClr val="404040"/>
+                </a:solidFill>
+                <a:latin typeface="微软雅黑" panose="020B0503020204020204" charset="-122"/>
+                <a:ea typeface="微软雅黑" panose="020B0503020204020204" charset="-122"/>
+                <a:cs typeface="微软雅黑" panose="020B0503020204020204" charset="-122"/>
+              </a:rPr>
+              <a:t>--merged    		</a:t>
+            </a:r>
+            <a:r>
+              <a:rPr lang="zh-CN" altLang="en-US" dirty="0" smtClean="0">
+                <a:solidFill>
+                  <a:srgbClr val="404040"/>
+                </a:solidFill>
+                <a:latin typeface="微软雅黑" panose="020B0503020204020204" charset="-122"/>
+                <a:ea typeface="微软雅黑" panose="020B0503020204020204" charset="-122"/>
+                <a:cs typeface="微软雅黑" panose="020B0503020204020204" charset="-122"/>
+              </a:rPr>
+              <a:t>查看当前分支的合并列表</a:t>
+            </a:r>
+            <a:endParaRPr lang="zh-CN" altLang="en-US" dirty="0" smtClean="0">
+              <a:solidFill>
+                <a:srgbClr val="404040"/>
+              </a:solidFill>
+              <a:latin typeface="微软雅黑" panose="020B0503020204020204" charset="-122"/>
+              <a:ea typeface="微软雅黑" panose="020B0503020204020204" charset="-122"/>
+              <a:cs typeface="微软雅黑" panose="020B0503020204020204" charset="-122"/>
+            </a:endParaRPr>
+          </a:p>
+          <a:p>
+            <a:pPr marL="1200150" lvl="3" indent="-342900" eaLnBrk="1" hangingPunct="1"/>
+            <a:r>
+              <a:rPr lang="en-US" altLang="zh-CN" dirty="0" smtClean="0">
+                <a:solidFill>
+                  <a:srgbClr val="404040"/>
+                </a:solidFill>
+                <a:latin typeface="微软雅黑" panose="020B0503020204020204" charset="-122"/>
+                <a:ea typeface="微软雅黑" panose="020B0503020204020204" charset="-122"/>
+                <a:cs typeface="微软雅黑" panose="020B0503020204020204" charset="-122"/>
+              </a:rPr>
+              <a:t>--no-merged  	</a:t>
+            </a:r>
+            <a:r>
+              <a:rPr lang="zh-CN" altLang="en-US" dirty="0" smtClean="0">
+                <a:solidFill>
+                  <a:srgbClr val="404040"/>
+                </a:solidFill>
+                <a:latin typeface="微软雅黑" panose="020B0503020204020204" charset="-122"/>
+                <a:ea typeface="微软雅黑" panose="020B0503020204020204" charset="-122"/>
+                <a:cs typeface="微软雅黑" panose="020B0503020204020204" charset="-122"/>
+                <a:sym typeface="+mn-ea"/>
+              </a:rPr>
+              <a:t>查看没合并的分支</a:t>
             </a:r>
             <a:endParaRPr lang="en-US" altLang="zh-CN" dirty="0" smtClean="0">
               <a:solidFill>
@@ -6102,35 +6079,73 @@
           </a:p>
           <a:p>
             <a:pPr marL="742950" lvl="2" indent="-342900" eaLnBrk="1" hangingPunct="1"/>
-            <a:endParaRPr lang="en-US" altLang="zh-CN" dirty="0" smtClean="0">
-              <a:solidFill>
-                <a:srgbClr val="404040"/>
-              </a:solidFill>
-              <a:latin typeface="微软雅黑" panose="020B0503020204020204" charset="-122"/>
-              <a:ea typeface="微软雅黑" panose="020B0503020204020204" charset="-122"/>
-              <a:cs typeface="微软雅黑" panose="020B0503020204020204" charset="-122"/>
-            </a:endParaRPr>
-          </a:p>
-          <a:p>
-            <a:pPr marL="342900" lvl="1" indent="-342900" eaLnBrk="1" hangingPunct="1">
-              <a:buClr>
-                <a:srgbClr val="F50A64"/>
-              </a:buClr>
-              <a:buFont typeface="Wingdings" panose="05000000000000000000" pitchFamily="2" charset="2"/>
-              <a:buChar char="l"/>
-            </a:pPr>
-            <a:r>
-              <a:rPr lang="zh-CN" altLang="en-US" dirty="0" smtClean="0">
-                <a:solidFill>
-                  <a:srgbClr val="404040"/>
-                </a:solidFill>
-                <a:latin typeface="微软雅黑" panose="020B0503020204020204" charset="-122"/>
-                <a:ea typeface="微软雅黑" panose="020B0503020204020204" charset="-122"/>
-                <a:cs typeface="微软雅黑" panose="020B0503020204020204" charset="-122"/>
-              </a:rPr>
-              <a:t>创建博客</a:t>
-            </a:r>
-            <a:endParaRPr lang="en-US" altLang="zh-CN" dirty="0" smtClean="0">
+            <a:r>
+              <a:rPr lang="en-US" altLang="zh-CN" dirty="0" err="1" smtClean="0">
+                <a:solidFill>
+                  <a:srgbClr val="404040"/>
+                </a:solidFill>
+                <a:latin typeface="微软雅黑" panose="020B0503020204020204" charset="-122"/>
+                <a:ea typeface="微软雅黑" panose="020B0503020204020204" charset="-122"/>
+                <a:cs typeface="微软雅黑" panose="020B0503020204020204" charset="-122"/>
+              </a:rPr>
+              <a:t>git</a:t>
+            </a:r>
+            <a:r>
+              <a:rPr lang="en-US" altLang="zh-CN" dirty="0" smtClean="0">
+                <a:solidFill>
+                  <a:srgbClr val="404040"/>
+                </a:solidFill>
+                <a:latin typeface="微软雅黑" panose="020B0503020204020204" charset="-122"/>
+                <a:ea typeface="微软雅黑" panose="020B0503020204020204" charset="-122"/>
+                <a:cs typeface="微软雅黑" panose="020B0503020204020204" charset="-122"/>
+              </a:rPr>
+              <a:t> checkout	XX </a:t>
+            </a:r>
+            <a:r>
+              <a:rPr lang="zh-CN" altLang="en-US" dirty="0" smtClean="0">
+                <a:solidFill>
+                  <a:srgbClr val="404040"/>
+                </a:solidFill>
+                <a:latin typeface="微软雅黑" panose="020B0503020204020204" charset="-122"/>
+                <a:ea typeface="微软雅黑" panose="020B0503020204020204" charset="-122"/>
+                <a:cs typeface="微软雅黑" panose="020B0503020204020204" charset="-122"/>
+              </a:rPr>
+              <a:t>切换到某分支</a:t>
+            </a:r>
+            <a:endParaRPr lang="zh-CN" altLang="en-US" dirty="0" smtClean="0">
+              <a:solidFill>
+                <a:srgbClr val="404040"/>
+              </a:solidFill>
+              <a:latin typeface="微软雅黑" panose="020B0503020204020204" charset="-122"/>
+              <a:ea typeface="微软雅黑" panose="020B0503020204020204" charset="-122"/>
+              <a:cs typeface="微软雅黑" panose="020B0503020204020204" charset="-122"/>
+            </a:endParaRPr>
+          </a:p>
+          <a:p>
+            <a:pPr marL="1200150" lvl="3" indent="-342900" eaLnBrk="1" hangingPunct="1"/>
+            <a:r>
+              <a:rPr lang="en-US" altLang="zh-CN" dirty="0" smtClean="0">
+                <a:solidFill>
+                  <a:srgbClr val="404040"/>
+                </a:solidFill>
+                <a:latin typeface="微软雅黑" panose="020B0503020204020204" charset="-122"/>
+                <a:ea typeface="微软雅黑" panose="020B0503020204020204" charset="-122"/>
+                <a:cs typeface="微软雅黑" panose="020B0503020204020204" charset="-122"/>
+              </a:rPr>
+              <a:t>-b		</a:t>
+            </a:r>
+            <a:r>
+              <a:rPr lang="zh-CN" altLang="en-US" dirty="0" smtClean="0">
+                <a:solidFill>
+                  <a:srgbClr val="404040"/>
+                </a:solidFill>
+                <a:latin typeface="微软雅黑" panose="020B0503020204020204" charset="-122"/>
+                <a:ea typeface="微软雅黑" panose="020B0503020204020204" charset="-122"/>
+                <a:cs typeface="微软雅黑" panose="020B0503020204020204" charset="-122"/>
+              </a:rPr>
+              <a:t>简写</a:t>
+            </a:r>
+            <a:endParaRPr lang="zh-CN" altLang="en-US" dirty="0" smtClean="0">
               <a:solidFill>
                 <a:srgbClr val="404040"/>
               </a:solidFill>
@@ -6150,30 +6165,8 @@
                 <a:ea typeface="微软雅黑" panose="020B0503020204020204" charset="-122"/>
                 <a:cs typeface="微软雅黑" panose="020B0503020204020204" charset="-122"/>
               </a:rPr>
-              <a:t>github</a:t>
-            </a:r>
-            <a:r>
-              <a:rPr lang="zh-CN" altLang="en-US" dirty="0" smtClean="0">
-                <a:solidFill>
-                  <a:srgbClr val="404040"/>
-                </a:solidFill>
-                <a:latin typeface="微软雅黑" panose="020B0503020204020204" charset="-122"/>
-                <a:ea typeface="微软雅黑" panose="020B0503020204020204" charset="-122"/>
-                <a:cs typeface="微软雅黑" panose="020B0503020204020204" charset="-122"/>
-              </a:rPr>
-              <a:t>上创建</a:t>
-            </a:r>
-            <a:endParaRPr lang="en-US" altLang="zh-CN" dirty="0" smtClean="0">
-              <a:solidFill>
-                <a:srgbClr val="404040"/>
-              </a:solidFill>
-              <a:latin typeface="微软雅黑" panose="020B0503020204020204" charset="-122"/>
-              <a:ea typeface="微软雅黑" panose="020B0503020204020204" charset="-122"/>
-              <a:cs typeface="微软雅黑" panose="020B0503020204020204" charset="-122"/>
-            </a:endParaRPr>
-          </a:p>
-          <a:p>
-            <a:pPr marL="742950" lvl="2" indent="-342900" eaLnBrk="1" hangingPunct="1"/>
+              <a:t>git</a:t>
+            </a:r>
             <a:r>
               <a:rPr lang="en-US" altLang="zh-CN" dirty="0" smtClean="0">
                 <a:solidFill>
@@ -6182,33 +6175,43 @@
                 <a:latin typeface="微软雅黑" panose="020B0503020204020204" charset="-122"/>
                 <a:ea typeface="微软雅黑" panose="020B0503020204020204" charset="-122"/>
                 <a:cs typeface="微软雅黑" panose="020B0503020204020204" charset="-122"/>
-                <a:hlinkClick r:id="rId1"/>
-              </a:rPr>
-              <a:t>https://pages.github.com/</a:t>
-            </a:r>
-            <a:endParaRPr lang="en-US" altLang="zh-CN" dirty="0" smtClean="0">
-              <a:solidFill>
-                <a:srgbClr val="404040"/>
-              </a:solidFill>
-              <a:latin typeface="微软雅黑" panose="020B0503020204020204" charset="-122"/>
-              <a:ea typeface="微软雅黑" panose="020B0503020204020204" charset="-122"/>
-              <a:cs typeface="微软雅黑" panose="020B0503020204020204" charset="-122"/>
-            </a:endParaRPr>
-          </a:p>
-          <a:p>
-            <a:pPr marL="742950" lvl="2" indent="-342900" eaLnBrk="1" hangingPunct="1"/>
-            <a:r>
-              <a:rPr lang="zh-CN" altLang="en-US" dirty="0" smtClean="0">
-                <a:solidFill>
-                  <a:srgbClr val="404040"/>
-                </a:solidFill>
-                <a:latin typeface="微软雅黑" panose="020B0503020204020204" charset="-122"/>
-                <a:ea typeface="微软雅黑" panose="020B0503020204020204" charset="-122"/>
-                <a:cs typeface="微软雅黑" panose="020B0503020204020204" charset="-122"/>
-              </a:rPr>
-              <a:t>注意格式的正确性</a:t>
-            </a:r>
-            <a:endParaRPr lang="en-US" altLang="zh-CN" dirty="0" smtClean="0">
+              </a:rPr>
+              <a:t> merge XX </a:t>
+            </a:r>
+            <a:r>
+              <a:rPr lang="zh-CN" altLang="en-US" dirty="0" smtClean="0">
+                <a:solidFill>
+                  <a:srgbClr val="404040"/>
+                </a:solidFill>
+                <a:latin typeface="微软雅黑" panose="020B0503020204020204" charset="-122"/>
+                <a:ea typeface="微软雅黑" panose="020B0503020204020204" charset="-122"/>
+                <a:cs typeface="微软雅黑" panose="020B0503020204020204" charset="-122"/>
+              </a:rPr>
+              <a:t>快速合并</a:t>
+            </a:r>
+            <a:r>
+              <a:rPr lang="en-US" altLang="zh-CN" dirty="0" smtClean="0">
+                <a:solidFill>
+                  <a:srgbClr val="404040"/>
+                </a:solidFill>
+                <a:latin typeface="微软雅黑" panose="020B0503020204020204" charset="-122"/>
+                <a:ea typeface="微软雅黑" panose="020B0503020204020204" charset="-122"/>
+                <a:cs typeface="微软雅黑" panose="020B0503020204020204" charset="-122"/>
+              </a:rPr>
+              <a:t>XX</a:t>
+            </a:r>
+            <a:r>
+              <a:rPr lang="zh-CN" altLang="en-US" dirty="0" smtClean="0">
+                <a:solidFill>
+                  <a:srgbClr val="404040"/>
+                </a:solidFill>
+                <a:latin typeface="微软雅黑" panose="020B0503020204020204" charset="-122"/>
+                <a:ea typeface="微软雅黑" panose="020B0503020204020204" charset="-122"/>
+                <a:cs typeface="微软雅黑" panose="020B0503020204020204" charset="-122"/>
+              </a:rPr>
+              <a:t>分支</a:t>
+            </a:r>
+            <a:endParaRPr lang="zh-CN" altLang="en-US" dirty="0" smtClean="0">
               <a:solidFill>
                 <a:srgbClr val="404040"/>
               </a:solidFill>
@@ -6249,6 +6252,539 @@
 </file>
 
 <file path=ppt/slides/slide15.xml><?xml version="1.0" encoding="utf-8"?>
+<p:sld xmlns:a="http://schemas.openxmlformats.org/drawingml/2006/main" xmlns:r="http://schemas.openxmlformats.org/officeDocument/2006/relationships" xmlns:p="http://schemas.openxmlformats.org/presentationml/2006/main">
+  <p:cSld>
+    <p:spTree>
+      <p:nvGrpSpPr>
+        <p:cNvPr id="1" name=""/>
+        <p:cNvGrpSpPr/>
+        <p:nvPr/>
+      </p:nvGrpSpPr>
+      <p:grpSpPr>
+        <a:xfrm>
+          <a:off x="0" y="0"/>
+          <a:ext cx="0" cy="0"/>
+          <a:chOff x="0" y="0"/>
+          <a:chExt cx="0" cy="0"/>
+        </a:xfrm>
+      </p:grpSpPr>
+      <p:sp>
+        <p:nvSpPr>
+          <p:cNvPr id="14338" name="内容占位符 2"/>
+          <p:cNvSpPr>
+            <a:spLocks noGrp="1"/>
+          </p:cNvSpPr>
+          <p:nvPr>
+            <p:ph idx="1"/>
+          </p:nvPr>
+        </p:nvSpPr>
+        <p:spPr>
+          <a:xfrm>
+            <a:off x="1981200" y="1711325"/>
+            <a:ext cx="8229600" cy="4525963"/>
+          </a:xfrm>
+        </p:spPr>
+        <p:txBody>
+          <a:bodyPr/>
+          <a:lstStyle/>
+          <a:p>
+            <a:pPr marL="342900" lvl="1" indent="-342900" eaLnBrk="1" hangingPunct="1">
+              <a:buClr>
+                <a:srgbClr val="F50A64"/>
+              </a:buClr>
+              <a:buFont typeface="Wingdings" panose="05000000000000000000" pitchFamily="2" charset="2"/>
+              <a:buChar char="l"/>
+            </a:pPr>
+            <a:r>
+              <a:rPr lang="en-US" altLang="zh-CN" dirty="0" err="1" smtClean="0">
+                <a:solidFill>
+                  <a:srgbClr val="404040"/>
+                </a:solidFill>
+                <a:latin typeface="微软雅黑" panose="020B0503020204020204" charset="-122"/>
+                <a:ea typeface="微软雅黑" panose="020B0503020204020204" charset="-122"/>
+                <a:cs typeface="微软雅黑" panose="020B0503020204020204" charset="-122"/>
+              </a:rPr>
+              <a:t>github</a:t>
+            </a:r>
+            <a:r>
+              <a:rPr lang="zh-CN" altLang="en-US" dirty="0" smtClean="0">
+                <a:solidFill>
+                  <a:srgbClr val="404040"/>
+                </a:solidFill>
+                <a:latin typeface="微软雅黑" panose="020B0503020204020204" charset="-122"/>
+                <a:ea typeface="微软雅黑" panose="020B0503020204020204" charset="-122"/>
+                <a:cs typeface="微软雅黑" panose="020B0503020204020204" charset="-122"/>
+              </a:rPr>
+              <a:t>上的分支</a:t>
+            </a:r>
+            <a:endParaRPr lang="en-US" altLang="zh-CN" dirty="0" smtClean="0">
+              <a:solidFill>
+                <a:srgbClr val="404040"/>
+              </a:solidFill>
+              <a:latin typeface="微软雅黑" panose="020B0503020204020204" charset="-122"/>
+              <a:ea typeface="微软雅黑" panose="020B0503020204020204" charset="-122"/>
+              <a:cs typeface="微软雅黑" panose="020B0503020204020204" charset="-122"/>
+            </a:endParaRPr>
+          </a:p>
+          <a:p>
+            <a:pPr marL="742950" lvl="2" indent="-342900" eaLnBrk="1" hangingPunct="1"/>
+            <a:r>
+              <a:rPr lang="en-US" altLang="zh-CN" dirty="0" err="1" smtClean="0">
+                <a:solidFill>
+                  <a:srgbClr val="404040"/>
+                </a:solidFill>
+                <a:latin typeface="微软雅黑" panose="020B0503020204020204" charset="-122"/>
+                <a:ea typeface="微软雅黑" panose="020B0503020204020204" charset="-122"/>
+                <a:cs typeface="微软雅黑" panose="020B0503020204020204" charset="-122"/>
+              </a:rPr>
+              <a:t>git</a:t>
+            </a:r>
+            <a:r>
+              <a:rPr lang="en-US" altLang="zh-CN" dirty="0" smtClean="0">
+                <a:solidFill>
+                  <a:srgbClr val="404040"/>
+                </a:solidFill>
+                <a:latin typeface="微软雅黑" panose="020B0503020204020204" charset="-122"/>
+                <a:ea typeface="微软雅黑" panose="020B0503020204020204" charset="-122"/>
+                <a:cs typeface="微软雅黑" panose="020B0503020204020204" charset="-122"/>
+              </a:rPr>
+              <a:t> push </a:t>
+            </a:r>
+            <a:endParaRPr lang="en-US" altLang="zh-CN" dirty="0" smtClean="0">
+              <a:solidFill>
+                <a:srgbClr val="404040"/>
+              </a:solidFill>
+              <a:latin typeface="微软雅黑" panose="020B0503020204020204" charset="-122"/>
+              <a:ea typeface="微软雅黑" panose="020B0503020204020204" charset="-122"/>
+              <a:cs typeface="微软雅黑" panose="020B0503020204020204" charset="-122"/>
+            </a:endParaRPr>
+          </a:p>
+          <a:p>
+            <a:pPr marL="742950" lvl="2" indent="-342900" eaLnBrk="1" hangingPunct="1"/>
+            <a:r>
+              <a:rPr lang="en-US" altLang="zh-CN" dirty="0" err="1" smtClean="0">
+                <a:solidFill>
+                  <a:srgbClr val="404040"/>
+                </a:solidFill>
+                <a:latin typeface="微软雅黑" panose="020B0503020204020204" charset="-122"/>
+                <a:ea typeface="微软雅黑" panose="020B0503020204020204" charset="-122"/>
+                <a:cs typeface="微软雅黑" panose="020B0503020204020204" charset="-122"/>
+              </a:rPr>
+              <a:t>github</a:t>
+            </a:r>
+            <a:r>
+              <a:rPr lang="zh-CN" altLang="en-US" dirty="0" smtClean="0">
+                <a:solidFill>
+                  <a:srgbClr val="404040"/>
+                </a:solidFill>
+                <a:latin typeface="微软雅黑" panose="020B0503020204020204" charset="-122"/>
+                <a:ea typeface="微软雅黑" panose="020B0503020204020204" charset="-122"/>
+                <a:cs typeface="微软雅黑" panose="020B0503020204020204" charset="-122"/>
+              </a:rPr>
+              <a:t>上直接创建</a:t>
+            </a:r>
+            <a:endParaRPr lang="en-US" altLang="zh-CN" dirty="0" smtClean="0">
+              <a:solidFill>
+                <a:srgbClr val="404040"/>
+              </a:solidFill>
+              <a:latin typeface="微软雅黑" panose="020B0503020204020204" charset="-122"/>
+              <a:ea typeface="微软雅黑" panose="020B0503020204020204" charset="-122"/>
+              <a:cs typeface="微软雅黑" panose="020B0503020204020204" charset="-122"/>
+            </a:endParaRPr>
+          </a:p>
+          <a:p>
+            <a:pPr marL="1200150" lvl="3" indent="-342900" eaLnBrk="1" hangingPunct="1"/>
+            <a:endParaRPr lang="en-US" altLang="zh-CN" dirty="0" smtClean="0">
+              <a:solidFill>
+                <a:srgbClr val="404040"/>
+              </a:solidFill>
+              <a:latin typeface="微软雅黑" panose="020B0503020204020204" charset="-122"/>
+              <a:ea typeface="微软雅黑" panose="020B0503020204020204" charset="-122"/>
+              <a:cs typeface="微软雅黑" panose="020B0503020204020204" charset="-122"/>
+            </a:endParaRPr>
+          </a:p>
+          <a:p>
+            <a:pPr marL="342900" lvl="1" indent="-342900" eaLnBrk="1" hangingPunct="1">
+              <a:buClr>
+                <a:srgbClr val="F50A64"/>
+              </a:buClr>
+              <a:buFont typeface="Wingdings" panose="05000000000000000000" pitchFamily="2" charset="2"/>
+              <a:buChar char="l"/>
+            </a:pPr>
+            <a:r>
+              <a:rPr lang="en-US" altLang="zh-CN" dirty="0" err="1" smtClean="0">
+                <a:solidFill>
+                  <a:srgbClr val="404040"/>
+                </a:solidFill>
+                <a:latin typeface="微软雅黑" panose="020B0503020204020204" charset="-122"/>
+                <a:ea typeface="微软雅黑" panose="020B0503020204020204" charset="-122"/>
+                <a:cs typeface="微软雅黑" panose="020B0503020204020204" charset="-122"/>
+              </a:rPr>
+              <a:t>github</a:t>
+            </a:r>
+            <a:r>
+              <a:rPr lang="zh-CN" altLang="en-US" dirty="0" smtClean="0">
+                <a:solidFill>
+                  <a:srgbClr val="404040"/>
+                </a:solidFill>
+                <a:latin typeface="微软雅黑" panose="020B0503020204020204" charset="-122"/>
+                <a:ea typeface="微软雅黑" panose="020B0503020204020204" charset="-122"/>
+                <a:cs typeface="微软雅黑" panose="020B0503020204020204" charset="-122"/>
+              </a:rPr>
+              <a:t>上的标签</a:t>
+            </a:r>
+            <a:endParaRPr lang="en-US" altLang="zh-CN" dirty="0" smtClean="0">
+              <a:solidFill>
+                <a:srgbClr val="404040"/>
+              </a:solidFill>
+              <a:latin typeface="微软雅黑" panose="020B0503020204020204" charset="-122"/>
+              <a:ea typeface="微软雅黑" panose="020B0503020204020204" charset="-122"/>
+              <a:cs typeface="微软雅黑" panose="020B0503020204020204" charset="-122"/>
+            </a:endParaRPr>
+          </a:p>
+          <a:p>
+            <a:pPr marL="742950" lvl="2" indent="-342900" eaLnBrk="1" hangingPunct="1"/>
+            <a:r>
+              <a:rPr lang="en-US" altLang="zh-CN" dirty="0" err="1" smtClean="0">
+                <a:solidFill>
+                  <a:srgbClr val="404040"/>
+                </a:solidFill>
+                <a:latin typeface="微软雅黑" panose="020B0503020204020204" charset="-122"/>
+                <a:ea typeface="微软雅黑" panose="020B0503020204020204" charset="-122"/>
+                <a:cs typeface="微软雅黑" panose="020B0503020204020204" charset="-122"/>
+              </a:rPr>
+              <a:t>git</a:t>
+            </a:r>
+            <a:r>
+              <a:rPr lang="en-US" altLang="zh-CN" dirty="0" smtClean="0">
+                <a:solidFill>
+                  <a:srgbClr val="404040"/>
+                </a:solidFill>
+                <a:latin typeface="微软雅黑" panose="020B0503020204020204" charset="-122"/>
+                <a:ea typeface="微软雅黑" panose="020B0503020204020204" charset="-122"/>
+                <a:cs typeface="微软雅黑" panose="020B0503020204020204" charset="-122"/>
+              </a:rPr>
+              <a:t> tag</a:t>
+            </a:r>
+            <a:endParaRPr lang="en-US" altLang="zh-CN" dirty="0" smtClean="0">
+              <a:solidFill>
+                <a:srgbClr val="404040"/>
+              </a:solidFill>
+              <a:latin typeface="微软雅黑" panose="020B0503020204020204" charset="-122"/>
+              <a:ea typeface="微软雅黑" panose="020B0503020204020204" charset="-122"/>
+              <a:cs typeface="微软雅黑" panose="020B0503020204020204" charset="-122"/>
+            </a:endParaRPr>
+          </a:p>
+          <a:p>
+            <a:pPr marL="742950" lvl="2" indent="-342900" eaLnBrk="1" hangingPunct="1"/>
+            <a:r>
+              <a:rPr lang="en-US" altLang="zh-CN" dirty="0" err="1" smtClean="0">
+                <a:solidFill>
+                  <a:srgbClr val="404040"/>
+                </a:solidFill>
+                <a:latin typeface="微软雅黑" panose="020B0503020204020204" charset="-122"/>
+                <a:ea typeface="微软雅黑" panose="020B0503020204020204" charset="-122"/>
+                <a:cs typeface="微软雅黑" panose="020B0503020204020204" charset="-122"/>
+              </a:rPr>
+              <a:t>github</a:t>
+            </a:r>
+            <a:r>
+              <a:rPr lang="zh-CN" altLang="en-US" dirty="0" smtClean="0">
+                <a:solidFill>
+                  <a:srgbClr val="404040"/>
+                </a:solidFill>
+                <a:latin typeface="微软雅黑" panose="020B0503020204020204" charset="-122"/>
+                <a:ea typeface="微软雅黑" panose="020B0503020204020204" charset="-122"/>
+                <a:cs typeface="微软雅黑" panose="020B0503020204020204" charset="-122"/>
+              </a:rPr>
+              <a:t>上直接创建</a:t>
+            </a:r>
+            <a:endParaRPr lang="en-US" altLang="zh-CN" dirty="0" smtClean="0">
+              <a:solidFill>
+                <a:srgbClr val="404040"/>
+              </a:solidFill>
+              <a:latin typeface="微软雅黑" panose="020B0503020204020204" charset="-122"/>
+              <a:ea typeface="微软雅黑" panose="020B0503020204020204" charset="-122"/>
+              <a:cs typeface="微软雅黑" panose="020B0503020204020204" charset="-122"/>
+            </a:endParaRPr>
+          </a:p>
+          <a:p>
+            <a:pPr marL="1200150" lvl="3" indent="-342900" eaLnBrk="1" hangingPunct="1"/>
+            <a:endParaRPr lang="en-US" altLang="zh-CN" dirty="0" smtClean="0">
+              <a:solidFill>
+                <a:srgbClr val="404040"/>
+              </a:solidFill>
+              <a:latin typeface="微软雅黑" panose="020B0503020204020204" charset="-122"/>
+              <a:ea typeface="微软雅黑" panose="020B0503020204020204" charset="-122"/>
+              <a:cs typeface="微软雅黑" panose="020B0503020204020204" charset="-122"/>
+            </a:endParaRPr>
+          </a:p>
+        </p:txBody>
+      </p:sp>
+    </p:spTree>
+  </p:cSld>
+  <p:clrMapOvr>
+    <a:masterClrMapping/>
+  </p:clrMapOvr>
+  <p:transition spd="slow">
+    <p:fade/>
+  </p:transition>
+  <p:timing>
+    <p:tnLst>
+      <p:par>
+        <p:cTn id="1" dur="indefinite" restart="never" nodeType="tmRoot"/>
+      </p:par>
+    </p:tnLst>
+  </p:timing>
+</p:sld>
+</file>
+
+<file path=ppt/slides/slide16.xml><?xml version="1.0" encoding="utf-8"?>
+<p:sld xmlns:a="http://schemas.openxmlformats.org/drawingml/2006/main" xmlns:r="http://schemas.openxmlformats.org/officeDocument/2006/relationships" xmlns:p="http://schemas.openxmlformats.org/presentationml/2006/main">
+  <p:cSld>
+    <p:spTree>
+      <p:nvGrpSpPr>
+        <p:cNvPr id="1" name=""/>
+        <p:cNvGrpSpPr/>
+        <p:nvPr/>
+      </p:nvGrpSpPr>
+      <p:grpSpPr>
+        <a:xfrm>
+          <a:off x="0" y="0"/>
+          <a:ext cx="0" cy="0"/>
+          <a:chOff x="0" y="0"/>
+          <a:chExt cx="0" cy="0"/>
+        </a:xfrm>
+      </p:grpSpPr>
+      <p:sp>
+        <p:nvSpPr>
+          <p:cNvPr id="14338" name="内容占位符 2"/>
+          <p:cNvSpPr>
+            <a:spLocks noGrp="1"/>
+          </p:cNvSpPr>
+          <p:nvPr>
+            <p:ph idx="1"/>
+          </p:nvPr>
+        </p:nvSpPr>
+        <p:spPr>
+          <a:xfrm>
+            <a:off x="1981200" y="1711325"/>
+            <a:ext cx="8229600" cy="4525963"/>
+          </a:xfrm>
+        </p:spPr>
+        <p:txBody>
+          <a:bodyPr/>
+          <a:lstStyle/>
+          <a:p>
+            <a:pPr marL="342900" lvl="1" indent="-342900" eaLnBrk="1" hangingPunct="1">
+              <a:buClr>
+                <a:srgbClr val="F50A64"/>
+              </a:buClr>
+              <a:buFont typeface="Wingdings" panose="05000000000000000000" pitchFamily="2" charset="2"/>
+              <a:buChar char="l"/>
+            </a:pPr>
+            <a:r>
+              <a:rPr lang="zh-CN" altLang="en-US" dirty="0" smtClean="0">
+                <a:solidFill>
+                  <a:srgbClr val="404040"/>
+                </a:solidFill>
+                <a:latin typeface="微软雅黑" panose="020B0503020204020204" charset="-122"/>
+                <a:ea typeface="微软雅黑" panose="020B0503020204020204" charset="-122"/>
+                <a:cs typeface="微软雅黑" panose="020B0503020204020204" charset="-122"/>
+              </a:rPr>
+              <a:t>创建组织</a:t>
+            </a:r>
+            <a:endParaRPr lang="en-US" altLang="zh-CN" dirty="0" smtClean="0">
+              <a:solidFill>
+                <a:srgbClr val="404040"/>
+              </a:solidFill>
+              <a:latin typeface="微软雅黑" panose="020B0503020204020204" charset="-122"/>
+              <a:ea typeface="微软雅黑" panose="020B0503020204020204" charset="-122"/>
+              <a:cs typeface="微软雅黑" panose="020B0503020204020204" charset="-122"/>
+            </a:endParaRPr>
+          </a:p>
+          <a:p>
+            <a:pPr marL="742950" lvl="2" indent="-342900" eaLnBrk="1" hangingPunct="1"/>
+            <a:r>
+              <a:rPr lang="en-US" altLang="zh-CN" dirty="0" err="1" smtClean="0">
+                <a:solidFill>
+                  <a:srgbClr val="404040"/>
+                </a:solidFill>
+                <a:latin typeface="微软雅黑" panose="020B0503020204020204" charset="-122"/>
+                <a:ea typeface="微软雅黑" panose="020B0503020204020204" charset="-122"/>
+                <a:cs typeface="微软雅黑" panose="020B0503020204020204" charset="-122"/>
+              </a:rPr>
+              <a:t>github</a:t>
+            </a:r>
+            <a:r>
+              <a:rPr lang="zh-CN" altLang="en-US" dirty="0" smtClean="0">
+                <a:solidFill>
+                  <a:srgbClr val="404040"/>
+                </a:solidFill>
+                <a:latin typeface="微软雅黑" panose="020B0503020204020204" charset="-122"/>
+                <a:ea typeface="微软雅黑" panose="020B0503020204020204" charset="-122"/>
+                <a:cs typeface="微软雅黑" panose="020B0503020204020204" charset="-122"/>
+              </a:rPr>
+              <a:t>上创建</a:t>
+            </a:r>
+            <a:endParaRPr lang="en-US" altLang="zh-CN" dirty="0" smtClean="0">
+              <a:solidFill>
+                <a:srgbClr val="404040"/>
+              </a:solidFill>
+              <a:latin typeface="微软雅黑" panose="020B0503020204020204" charset="-122"/>
+              <a:ea typeface="微软雅黑" panose="020B0503020204020204" charset="-122"/>
+              <a:cs typeface="微软雅黑" panose="020B0503020204020204" charset="-122"/>
+            </a:endParaRPr>
+          </a:p>
+          <a:p>
+            <a:pPr marL="742950" lvl="2" indent="-342900" eaLnBrk="1" hangingPunct="1"/>
+            <a:endParaRPr lang="en-US" altLang="zh-CN" dirty="0" smtClean="0">
+              <a:solidFill>
+                <a:srgbClr val="404040"/>
+              </a:solidFill>
+              <a:latin typeface="微软雅黑" panose="020B0503020204020204" charset="-122"/>
+              <a:ea typeface="微软雅黑" panose="020B0503020204020204" charset="-122"/>
+              <a:cs typeface="微软雅黑" panose="020B0503020204020204" charset="-122"/>
+            </a:endParaRPr>
+          </a:p>
+          <a:p>
+            <a:pPr marL="342900" lvl="1" indent="-342900" eaLnBrk="1" hangingPunct="1">
+              <a:buClr>
+                <a:srgbClr val="F50A64"/>
+              </a:buClr>
+              <a:buFont typeface="Wingdings" panose="05000000000000000000" pitchFamily="2" charset="2"/>
+              <a:buChar char="l"/>
+            </a:pPr>
+            <a:r>
+              <a:rPr lang="zh-CN" altLang="en-US" dirty="0" smtClean="0">
+                <a:solidFill>
+                  <a:srgbClr val="404040"/>
+                </a:solidFill>
+                <a:latin typeface="微软雅黑" panose="020B0503020204020204" charset="-122"/>
+                <a:ea typeface="微软雅黑" panose="020B0503020204020204" charset="-122"/>
+                <a:cs typeface="微软雅黑" panose="020B0503020204020204" charset="-122"/>
+              </a:rPr>
+              <a:t>创建博客</a:t>
+            </a:r>
+            <a:endParaRPr lang="en-US" altLang="zh-CN" dirty="0" smtClean="0">
+              <a:solidFill>
+                <a:srgbClr val="404040"/>
+              </a:solidFill>
+              <a:latin typeface="微软雅黑" panose="020B0503020204020204" charset="-122"/>
+              <a:ea typeface="微软雅黑" panose="020B0503020204020204" charset="-122"/>
+              <a:cs typeface="微软雅黑" panose="020B0503020204020204" charset="-122"/>
+            </a:endParaRPr>
+          </a:p>
+          <a:p>
+            <a:pPr marL="742950" lvl="2" indent="-342900" eaLnBrk="1" hangingPunct="1"/>
+            <a:r>
+              <a:rPr lang="en-US" altLang="zh-CN" dirty="0" err="1" smtClean="0">
+                <a:solidFill>
+                  <a:srgbClr val="404040"/>
+                </a:solidFill>
+                <a:latin typeface="微软雅黑" panose="020B0503020204020204" charset="-122"/>
+                <a:ea typeface="微软雅黑" panose="020B0503020204020204" charset="-122"/>
+                <a:cs typeface="微软雅黑" panose="020B0503020204020204" charset="-122"/>
+              </a:rPr>
+              <a:t>github</a:t>
+            </a:r>
+            <a:r>
+              <a:rPr lang="zh-CN" altLang="en-US" dirty="0" smtClean="0">
+                <a:solidFill>
+                  <a:srgbClr val="404040"/>
+                </a:solidFill>
+                <a:latin typeface="微软雅黑" panose="020B0503020204020204" charset="-122"/>
+                <a:ea typeface="微软雅黑" panose="020B0503020204020204" charset="-122"/>
+                <a:cs typeface="微软雅黑" panose="020B0503020204020204" charset="-122"/>
+              </a:rPr>
+              <a:t>上创建</a:t>
+            </a:r>
+            <a:endParaRPr lang="en-US" altLang="zh-CN" dirty="0" smtClean="0">
+              <a:solidFill>
+                <a:srgbClr val="404040"/>
+              </a:solidFill>
+              <a:latin typeface="微软雅黑" panose="020B0503020204020204" charset="-122"/>
+              <a:ea typeface="微软雅黑" panose="020B0503020204020204" charset="-122"/>
+              <a:cs typeface="微软雅黑" panose="020B0503020204020204" charset="-122"/>
+            </a:endParaRPr>
+          </a:p>
+          <a:p>
+            <a:pPr marL="742950" lvl="2" indent="-342900" eaLnBrk="1" hangingPunct="1"/>
+            <a:r>
+              <a:rPr lang="en-US" altLang="zh-CN" dirty="0" smtClean="0">
+                <a:solidFill>
+                  <a:srgbClr val="404040"/>
+                </a:solidFill>
+                <a:latin typeface="微软雅黑" panose="020B0503020204020204" charset="-122"/>
+                <a:ea typeface="微软雅黑" panose="020B0503020204020204" charset="-122"/>
+                <a:cs typeface="微软雅黑" panose="020B0503020204020204" charset="-122"/>
+                <a:hlinkClick r:id="rId1"/>
+              </a:rPr>
+              <a:t>https://pages.github.com/</a:t>
+            </a:r>
+            <a:endParaRPr lang="en-US" altLang="zh-CN" dirty="0" smtClean="0">
+              <a:solidFill>
+                <a:srgbClr val="404040"/>
+              </a:solidFill>
+              <a:latin typeface="微软雅黑" panose="020B0503020204020204" charset="-122"/>
+              <a:ea typeface="微软雅黑" panose="020B0503020204020204" charset="-122"/>
+              <a:cs typeface="微软雅黑" panose="020B0503020204020204" charset="-122"/>
+            </a:endParaRPr>
+          </a:p>
+          <a:p>
+            <a:pPr marL="742950" lvl="2" indent="-342900" eaLnBrk="1" hangingPunct="1"/>
+            <a:r>
+              <a:rPr lang="zh-CN" altLang="en-US" dirty="0" smtClean="0">
+                <a:solidFill>
+                  <a:srgbClr val="404040"/>
+                </a:solidFill>
+                <a:latin typeface="微软雅黑" panose="020B0503020204020204" charset="-122"/>
+                <a:ea typeface="微软雅黑" panose="020B0503020204020204" charset="-122"/>
+                <a:cs typeface="微软雅黑" panose="020B0503020204020204" charset="-122"/>
+              </a:rPr>
+              <a:t>注意格式的正确性</a:t>
+            </a:r>
+            <a:endParaRPr lang="en-US" altLang="zh-CN" dirty="0" smtClean="0">
+              <a:solidFill>
+                <a:srgbClr val="404040"/>
+              </a:solidFill>
+              <a:latin typeface="微软雅黑" panose="020B0503020204020204" charset="-122"/>
+              <a:ea typeface="微软雅黑" panose="020B0503020204020204" charset="-122"/>
+              <a:cs typeface="微软雅黑" panose="020B0503020204020204" charset="-122"/>
+            </a:endParaRPr>
+          </a:p>
+          <a:p>
+            <a:pPr marL="1200150" lvl="3" indent="-342900" eaLnBrk="1" hangingPunct="1"/>
+            <a:endParaRPr lang="en-US" altLang="zh-CN" dirty="0" smtClean="0">
+              <a:solidFill>
+                <a:srgbClr val="404040"/>
+              </a:solidFill>
+              <a:latin typeface="微软雅黑" panose="020B0503020204020204" charset="-122"/>
+              <a:ea typeface="微软雅黑" panose="020B0503020204020204" charset="-122"/>
+              <a:cs typeface="微软雅黑" panose="020B0503020204020204" charset="-122"/>
+            </a:endParaRPr>
+          </a:p>
+        </p:txBody>
+      </p:sp>
+    </p:spTree>
+  </p:cSld>
+  <p:clrMapOvr>
+    <a:masterClrMapping/>
+  </p:clrMapOvr>
+  <p:transition spd="slow">
+    <p:fade/>
+  </p:transition>
+  <p:timing>
+    <p:tnLst>
+      <p:par>
+        <p:cTn id="1" dur="indefinite" restart="never" nodeType="tmRoot"/>
+      </p:par>
+    </p:tnLst>
+  </p:timing>
+</p:sld>
+</file>
+
+<file path=ppt/slides/slide17.xml><?xml version="1.0" encoding="utf-8"?>
 <p:sld xmlns:a="http://schemas.openxmlformats.org/drawingml/2006/main" xmlns:r="http://schemas.openxmlformats.org/officeDocument/2006/relationships" xmlns:p="http://schemas.openxmlformats.org/presentationml/2006/main">
   <p:cSld>
     <p:spTree>
